--- a/Seminar iz mehatronike_TimotejB.pptx
+++ b/Seminar iz mehatronike_TimotejB.pptx
@@ -9636,6 +9636,149 @@
           <a:bodyPr/>
           <a:lstStyle/>
           <a:p>
+            <a:r>
+              <a:rPr lang="en-US" dirty="0" err="1" smtClean="0"/>
+              <a:t>Idmax</a:t>
+            </a:r>
+            <a:r>
+              <a:rPr lang="en-US" dirty="0"/>
+              <a:t> </a:t>
+            </a:r>
+            <a:r>
+              <a:rPr lang="en-US" dirty="0" smtClean="0"/>
+              <a:t>= 80 mA</a:t>
+            </a:r>
+          </a:p>
+          <a:p>
+            <a:r>
+              <a:rPr lang="en-US" dirty="0" smtClean="0"/>
+              <a:t>R1min = 44 </a:t>
+            </a:r>
+            <a:r>
+              <a:rPr lang="el-GR" dirty="0" smtClean="0"/>
+              <a:t>Ω</a:t>
+            </a:r>
+            <a:endParaRPr lang="en-US" dirty="0" smtClean="0"/>
+          </a:p>
+          <a:p>
+            <a:r>
+              <a:rPr lang="en-US" dirty="0" smtClean="0"/>
+              <a:t>Id = 50 mA</a:t>
+            </a:r>
+          </a:p>
+          <a:p>
+            <a:r>
+              <a:rPr lang="en-US" dirty="0" smtClean="0"/>
+              <a:t>R1 = 70 </a:t>
+            </a:r>
+            <a:r>
+              <a:rPr lang="el-GR" dirty="0" smtClean="0"/>
+              <a:t>Ω</a:t>
+            </a:r>
+            <a:endParaRPr lang="en-US" dirty="0" smtClean="0"/>
+          </a:p>
+          <a:p>
+            <a:r>
+              <a:rPr lang="en-US" dirty="0" smtClean="0"/>
+              <a:t>PS1 </a:t>
+            </a:r>
+            <a:r>
+              <a:rPr lang="en-SI" dirty="0" smtClean="0"/>
+              <a:t>–</a:t>
+            </a:r>
+            <a:r>
+              <a:rPr lang="en-US" dirty="0" smtClean="0"/>
+              <a:t> v </a:t>
+            </a:r>
+            <a:r>
+              <a:rPr lang="en-US" dirty="0" err="1" smtClean="0"/>
+              <a:t>primeru</a:t>
+            </a:r>
+            <a:r>
+              <a:rPr lang="en-US" dirty="0" smtClean="0"/>
+              <a:t> 3,3V</a:t>
+            </a:r>
+          </a:p>
+          <a:p>
+            <a:pPr marL="0" indent="0">
+              <a:buNone/>
+            </a:pPr>
+            <a:r>
+              <a:rPr lang="en-US" dirty="0"/>
+              <a:t>-&gt; 5V (JP1 1-2)</a:t>
+            </a:r>
+          </a:p>
+          <a:p>
+            <a:r>
+              <a:rPr lang="en-US" dirty="0" smtClean="0"/>
+              <a:t>U2 </a:t>
+            </a:r>
+            <a:r>
+              <a:rPr lang="en-SI" dirty="0" smtClean="0"/>
+              <a:t>–</a:t>
+            </a:r>
+            <a:r>
+              <a:rPr lang="en-US" dirty="0" smtClean="0"/>
+              <a:t> </a:t>
+            </a:r>
+            <a:r>
+              <a:rPr lang="en-US" dirty="0" err="1" smtClean="0"/>
+              <a:t>izbira</a:t>
+            </a:r>
+            <a:r>
+              <a:rPr lang="en-US" dirty="0" smtClean="0"/>
+              <a:t> </a:t>
+            </a:r>
+            <a:r>
+              <a:rPr lang="en-US" dirty="0" err="1" smtClean="0"/>
+              <a:t>izhodne</a:t>
+            </a:r>
+            <a:r>
+              <a:rPr lang="en-US" dirty="0" smtClean="0"/>
+              <a:t> </a:t>
+            </a:r>
+          </a:p>
+          <a:p>
+            <a:pPr marL="0" indent="0">
+              <a:buNone/>
+            </a:pPr>
+            <a:r>
+              <a:rPr lang="en-US" dirty="0" err="1" smtClean="0"/>
+              <a:t>Napetosti</a:t>
+            </a:r>
+            <a:r>
+              <a:rPr lang="en-US" dirty="0" smtClean="0"/>
+              <a:t> 3,3V </a:t>
+            </a:r>
+            <a:r>
+              <a:rPr lang="en-US" dirty="0" err="1" smtClean="0"/>
+              <a:t>ali</a:t>
+            </a:r>
+            <a:r>
+              <a:rPr lang="en-US" dirty="0" smtClean="0"/>
+              <a:t> 5V (JP2)</a:t>
+            </a:r>
+            <a:endParaRPr lang="en-US" dirty="0"/>
+          </a:p>
+          <a:p>
+            <a:endParaRPr lang="en-US" dirty="0" smtClean="0"/>
+          </a:p>
+          <a:p>
+            <a:pPr marL="0" indent="0">
+              <a:buNone/>
+            </a:pPr>
+            <a:endParaRPr lang="en-US" dirty="0"/>
+          </a:p>
+          <a:p>
+            <a:pPr marL="0" indent="0">
+              <a:buNone/>
+            </a:pPr>
+            <a:endParaRPr lang="en-US" dirty="0" smtClean="0"/>
+          </a:p>
+          <a:p>
+            <a:pPr marL="0" indent="0">
+              <a:buNone/>
+            </a:pPr>
             <a:endParaRPr lang="sl-SI" dirty="0"/>
           </a:p>
         </p:txBody>
@@ -9746,8 +9889,8 @@
         </p:blipFill>
         <p:spPr>
           <a:xfrm>
-            <a:off x="3152775" y="409527"/>
-            <a:ext cx="8204688" cy="6153517"/>
+            <a:off x="560830" y="123777"/>
+            <a:ext cx="8829675" cy="6622257"/>
           </a:xfrm>
           <a:prstGeom prst="rect">
             <a:avLst/>

--- a/Seminar iz mehatronike_TimotejB.pptx
+++ b/Seminar iz mehatronike_TimotejB.pptx
@@ -117,6 +117,14 @@
       </a:defRPr>
     </a:lvl9pPr>
   </p:defaultTextStyle>
+  <p:extLst>
+    <p:ext uri="{EFAFB233-063F-42B5-8137-9DF3F51BA10A}">
+      <p15:sldGuideLst xmlns:p15="http://schemas.microsoft.com/office/powerpoint/2012/main"/>
+    </p:ext>
+    <p:ext uri="{2D200454-40CA-4A62-9FC3-DE9A4176ACB9}">
+      <p15:notesGuideLst xmlns:p15="http://schemas.microsoft.com/office/powerpoint/2012/main"/>
+    </p:ext>
+  </p:extLst>
 </p:presentation>
 </file>
 
@@ -202,7 +210,7 @@
           <a:p>
             <a:fld id="{FF4B5BB1-24E7-4C2F-AB23-84B5B75CCB47}" type="datetimeFigureOut">
               <a:rPr lang="sl-SI" smtClean="0"/>
-              <a:t>23. 06. 2025</a:t>
+              <a:t>2. 07. 2025</a:t>
             </a:fld>
             <a:endParaRPr lang="sl-SI"/>
           </a:p>
@@ -266,35 +274,35 @@
           <a:p>
             <a:pPr lvl="0"/>
             <a:r>
-              <a:rPr lang="en-US" smtClean="0"/>
+              <a:rPr lang="en-US"/>
               <a:t>Edit Master text styles</a:t>
             </a:r>
           </a:p>
           <a:p>
             <a:pPr lvl="1"/>
             <a:r>
-              <a:rPr lang="en-US" smtClean="0"/>
+              <a:rPr lang="en-US"/>
               <a:t>Second level</a:t>
             </a:r>
           </a:p>
           <a:p>
             <a:pPr lvl="2"/>
             <a:r>
-              <a:rPr lang="en-US" smtClean="0"/>
+              <a:rPr lang="en-US"/>
               <a:t>Third level</a:t>
             </a:r>
           </a:p>
           <a:p>
             <a:pPr lvl="3"/>
             <a:r>
-              <a:rPr lang="en-US" smtClean="0"/>
+              <a:rPr lang="en-US"/>
               <a:t>Fourth level</a:t>
             </a:r>
           </a:p>
           <a:p>
             <a:pPr lvl="4"/>
             <a:r>
-              <a:rPr lang="en-US" smtClean="0"/>
+              <a:rPr lang="en-US"/>
               <a:t>Fifth level</a:t>
             </a:r>
             <a:endParaRPr lang="sl-SI"/>
@@ -514,7 +522,495 @@
           <a:bodyPr/>
           <a:lstStyle/>
           <a:p>
+            <a:endParaRPr lang="en-SI" dirty="0"/>
+          </a:p>
+        </p:txBody>
+      </p:sp>
+      <p:sp>
+        <p:nvSpPr>
+          <p:cNvPr id="4" name="Slide Number Placeholder 3"/>
+          <p:cNvSpPr>
+            <a:spLocks noGrp="1"/>
+          </p:cNvSpPr>
+          <p:nvPr>
+            <p:ph type="sldNum" sz="quarter" idx="5"/>
+          </p:nvPr>
+        </p:nvSpPr>
+        <p:spPr/>
+        <p:txBody>
+          <a:bodyPr/>
+          <a:lstStyle/>
+          <a:p>
+            <a:fld id="{492D5F23-14B6-4549-8755-C6856C25756F}" type="slidenum">
+              <a:rPr lang="sl-SI" smtClean="0"/>
+              <a:t>1</a:t>
+            </a:fld>
             <a:endParaRPr lang="sl-SI"/>
+          </a:p>
+        </p:txBody>
+      </p:sp>
+    </p:spTree>
+    <p:extLst>
+      <p:ext uri="{BB962C8B-B14F-4D97-AF65-F5344CB8AC3E}">
+        <p14:creationId xmlns:p14="http://schemas.microsoft.com/office/powerpoint/2010/main" val="2205454930"/>
+      </p:ext>
+    </p:extLst>
+  </p:cSld>
+  <p:clrMapOvr>
+    <a:masterClrMapping/>
+  </p:clrMapOvr>
+</p:notes>
+</file>
+
+<file path=ppt/notesSlides/notesSlide10.xml><?xml version="1.0" encoding="utf-8"?>
+<p:notes xmlns:a="http://schemas.openxmlformats.org/drawingml/2006/main" xmlns:r="http://schemas.openxmlformats.org/officeDocument/2006/relationships" xmlns:p="http://schemas.openxmlformats.org/presentationml/2006/main">
+  <p:cSld>
+    <p:spTree>
+      <p:nvGrpSpPr>
+        <p:cNvPr id="1" name=""/>
+        <p:cNvGrpSpPr/>
+        <p:nvPr/>
+      </p:nvGrpSpPr>
+      <p:grpSpPr>
+        <a:xfrm>
+          <a:off x="0" y="0"/>
+          <a:ext cx="0" cy="0"/>
+          <a:chOff x="0" y="0"/>
+          <a:chExt cx="0" cy="0"/>
+        </a:xfrm>
+      </p:grpSpPr>
+      <p:sp>
+        <p:nvSpPr>
+          <p:cNvPr id="2" name="Slide Image Placeholder 1"/>
+          <p:cNvSpPr>
+            <a:spLocks noGrp="1" noRot="1" noChangeAspect="1"/>
+          </p:cNvSpPr>
+          <p:nvPr>
+            <p:ph type="sldImg"/>
+          </p:nvPr>
+        </p:nvSpPr>
+        <p:spPr/>
+      </p:sp>
+      <p:sp>
+        <p:nvSpPr>
+          <p:cNvPr id="3" name="Notes Placeholder 2"/>
+          <p:cNvSpPr>
+            <a:spLocks noGrp="1"/>
+          </p:cNvSpPr>
+          <p:nvPr>
+            <p:ph type="body" idx="1"/>
+          </p:nvPr>
+        </p:nvSpPr>
+        <p:spPr/>
+        <p:txBody>
+          <a:bodyPr/>
+          <a:lstStyle/>
+          <a:p>
+            <a:r>
+              <a:rPr lang="en-US" dirty="0"/>
+              <a:t>Na </a:t>
+            </a:r>
+            <a:r>
+              <a:rPr lang="en-US" dirty="0" err="1"/>
+              <a:t>sliki</a:t>
+            </a:r>
+            <a:r>
+              <a:rPr lang="en-US" dirty="0"/>
+              <a:t> so </a:t>
+            </a:r>
+            <a:r>
+              <a:rPr lang="en-US" dirty="0" err="1"/>
+              <a:t>prikazani</a:t>
+            </a:r>
+            <a:r>
+              <a:rPr lang="en-US" dirty="0"/>
+              <a:t> </a:t>
+            </a:r>
+            <a:r>
+              <a:rPr lang="en-US" dirty="0" err="1"/>
+              <a:t>signali</a:t>
+            </a:r>
+            <a:r>
+              <a:rPr lang="en-US" dirty="0"/>
+              <a:t> </a:t>
+            </a:r>
+            <a:r>
+              <a:rPr lang="en-US" dirty="0" err="1"/>
+              <a:t>pri</a:t>
+            </a:r>
+            <a:r>
+              <a:rPr lang="en-US" dirty="0"/>
+              <a:t> BR 25600, </a:t>
+            </a:r>
+            <a:r>
+              <a:rPr lang="en-US" dirty="0" err="1"/>
+              <a:t>kar</a:t>
+            </a:r>
+            <a:r>
+              <a:rPr lang="en-US" dirty="0"/>
+              <a:t> je </a:t>
+            </a:r>
+            <a:r>
+              <a:rPr lang="en-US" dirty="0" err="1"/>
+              <a:t>bila</a:t>
+            </a:r>
+            <a:r>
+              <a:rPr lang="en-US" dirty="0"/>
+              <a:t> </a:t>
+            </a:r>
+            <a:r>
+              <a:rPr lang="en-US" dirty="0" err="1"/>
+              <a:t>maksimalna</a:t>
+            </a:r>
+            <a:r>
+              <a:rPr lang="en-US" dirty="0"/>
+              <a:t> </a:t>
+            </a:r>
+            <a:r>
+              <a:rPr lang="en-US" dirty="0" err="1"/>
+              <a:t>zmožnost</a:t>
+            </a:r>
+            <a:r>
+              <a:rPr lang="en-US" dirty="0"/>
+              <a:t> </a:t>
+            </a:r>
+            <a:r>
+              <a:rPr lang="en-US" dirty="0" err="1"/>
+              <a:t>programa</a:t>
+            </a:r>
+            <a:r>
+              <a:rPr lang="en-US" dirty="0"/>
+              <a:t>. </a:t>
+            </a:r>
+            <a:r>
+              <a:rPr lang="en-US" dirty="0" err="1"/>
+              <a:t>Vezje</a:t>
+            </a:r>
+            <a:r>
+              <a:rPr lang="en-US" dirty="0"/>
+              <a:t> je </a:t>
+            </a:r>
+            <a:r>
+              <a:rPr lang="en-US" dirty="0" err="1"/>
+              <a:t>pri</a:t>
+            </a:r>
+            <a:r>
+              <a:rPr lang="en-US" dirty="0"/>
+              <a:t> </a:t>
+            </a:r>
+            <a:r>
+              <a:rPr lang="en-US" dirty="0" err="1"/>
+              <a:t>tej</a:t>
+            </a:r>
+            <a:r>
+              <a:rPr lang="en-US" dirty="0"/>
+              <a:t> </a:t>
+            </a:r>
+            <a:r>
+              <a:rPr lang="en-US" dirty="0" err="1"/>
+              <a:t>hitrosti</a:t>
+            </a:r>
+            <a:r>
+              <a:rPr lang="en-US" dirty="0"/>
+              <a:t> </a:t>
+            </a:r>
+            <a:r>
+              <a:rPr lang="en-US" dirty="0" err="1"/>
+              <a:t>še</a:t>
+            </a:r>
+            <a:r>
+              <a:rPr lang="en-US" dirty="0"/>
+              <a:t> </a:t>
+            </a:r>
+            <a:r>
+              <a:rPr lang="en-US" dirty="0" err="1"/>
+              <a:t>vedno</a:t>
+            </a:r>
+            <a:r>
+              <a:rPr lang="en-US" dirty="0"/>
+              <a:t> </a:t>
+            </a:r>
+            <a:r>
+              <a:rPr lang="en-US" dirty="0" err="1"/>
+              <a:t>zanesljivo</a:t>
+            </a:r>
+            <a:r>
+              <a:rPr lang="en-US" dirty="0"/>
+              <a:t> </a:t>
+            </a:r>
+            <a:r>
+              <a:rPr lang="en-US" dirty="0" err="1"/>
+              <a:t>preneslo</a:t>
+            </a:r>
+            <a:r>
+              <a:rPr lang="en-US" dirty="0"/>
+              <a:t> </a:t>
+            </a:r>
+            <a:r>
+              <a:rPr lang="en-US" dirty="0" err="1"/>
+              <a:t>različne</a:t>
+            </a:r>
+            <a:r>
+              <a:rPr lang="en-US" dirty="0"/>
+              <a:t> </a:t>
+            </a:r>
+            <a:r>
+              <a:rPr lang="en-US" dirty="0" err="1"/>
+              <a:t>poslane</a:t>
+            </a:r>
+            <a:r>
+              <a:rPr lang="en-US" dirty="0"/>
+              <a:t> ASCII </a:t>
+            </a:r>
+            <a:r>
+              <a:rPr lang="en-US" dirty="0" err="1"/>
+              <a:t>znake</a:t>
+            </a:r>
+            <a:r>
+              <a:rPr lang="en-US" dirty="0"/>
+              <a:t>.</a:t>
+            </a:r>
+            <a:endParaRPr lang="en-SI" dirty="0"/>
+          </a:p>
+        </p:txBody>
+      </p:sp>
+      <p:sp>
+        <p:nvSpPr>
+          <p:cNvPr id="4" name="Slide Number Placeholder 3"/>
+          <p:cNvSpPr>
+            <a:spLocks noGrp="1"/>
+          </p:cNvSpPr>
+          <p:nvPr>
+            <p:ph type="sldNum" sz="quarter" idx="5"/>
+          </p:nvPr>
+        </p:nvSpPr>
+        <p:spPr/>
+        <p:txBody>
+          <a:bodyPr/>
+          <a:lstStyle/>
+          <a:p>
+            <a:fld id="{492D5F23-14B6-4549-8755-C6856C25756F}" type="slidenum">
+              <a:rPr lang="sl-SI" smtClean="0"/>
+              <a:t>10</a:t>
+            </a:fld>
+            <a:endParaRPr lang="sl-SI"/>
+          </a:p>
+        </p:txBody>
+      </p:sp>
+    </p:spTree>
+    <p:extLst>
+      <p:ext uri="{BB962C8B-B14F-4D97-AF65-F5344CB8AC3E}">
+        <p14:creationId xmlns:p14="http://schemas.microsoft.com/office/powerpoint/2010/main" val="4222976610"/>
+      </p:ext>
+    </p:extLst>
+  </p:cSld>
+  <p:clrMapOvr>
+    <a:masterClrMapping/>
+  </p:clrMapOvr>
+</p:notes>
+</file>
+
+<file path=ppt/notesSlides/notesSlide2.xml><?xml version="1.0" encoding="utf-8"?>
+<p:notes xmlns:a="http://schemas.openxmlformats.org/drawingml/2006/main" xmlns:r="http://schemas.openxmlformats.org/officeDocument/2006/relationships" xmlns:p="http://schemas.openxmlformats.org/presentationml/2006/main">
+  <p:cSld>
+    <p:spTree>
+      <p:nvGrpSpPr>
+        <p:cNvPr id="1" name=""/>
+        <p:cNvGrpSpPr/>
+        <p:nvPr/>
+      </p:nvGrpSpPr>
+      <p:grpSpPr>
+        <a:xfrm>
+          <a:off x="0" y="0"/>
+          <a:ext cx="0" cy="0"/>
+          <a:chOff x="0" y="0"/>
+          <a:chExt cx="0" cy="0"/>
+        </a:xfrm>
+      </p:grpSpPr>
+      <p:sp>
+        <p:nvSpPr>
+          <p:cNvPr id="2" name="Slide Image Placeholder 1"/>
+          <p:cNvSpPr>
+            <a:spLocks noGrp="1" noRot="1" noChangeAspect="1"/>
+          </p:cNvSpPr>
+          <p:nvPr>
+            <p:ph type="sldImg"/>
+          </p:nvPr>
+        </p:nvSpPr>
+        <p:spPr/>
+      </p:sp>
+      <p:sp>
+        <p:nvSpPr>
+          <p:cNvPr id="3" name="Notes Placeholder 2"/>
+          <p:cNvSpPr>
+            <a:spLocks noGrp="1"/>
+          </p:cNvSpPr>
+          <p:nvPr>
+            <p:ph type="body" idx="1"/>
+          </p:nvPr>
+        </p:nvSpPr>
+        <p:spPr/>
+        <p:txBody>
+          <a:bodyPr/>
+          <a:lstStyle/>
+          <a:p>
+            <a:r>
+              <a:rPr lang="en-US" dirty="0"/>
+              <a:t>Za </a:t>
+            </a:r>
+            <a:r>
+              <a:rPr lang="en-US" dirty="0" err="1"/>
+              <a:t>dvosmerno</a:t>
+            </a:r>
+            <a:r>
+              <a:rPr lang="en-US" dirty="0"/>
+              <a:t> </a:t>
+            </a:r>
+            <a:r>
+              <a:rPr lang="en-US" dirty="0" err="1"/>
+              <a:t>komunikacijo</a:t>
+            </a:r>
+            <a:r>
+              <a:rPr lang="en-US" dirty="0"/>
+              <a:t> </a:t>
+            </a:r>
+            <a:r>
+              <a:rPr lang="en-US" dirty="0" err="1"/>
+              <a:t>sem</a:t>
+            </a:r>
+            <a:r>
+              <a:rPr lang="en-US" dirty="0"/>
+              <a:t> v </a:t>
+            </a:r>
+            <a:r>
+              <a:rPr lang="en-US" dirty="0" err="1"/>
+              <a:t>seminarju</a:t>
+            </a:r>
+            <a:r>
+              <a:rPr lang="en-US" dirty="0"/>
+              <a:t> </a:t>
+            </a:r>
+            <a:r>
+              <a:rPr lang="en-US" dirty="0" err="1"/>
+              <a:t>uporabil</a:t>
+            </a:r>
+            <a:r>
+              <a:rPr lang="en-US" dirty="0"/>
+              <a:t> </a:t>
+            </a:r>
+            <a:r>
+              <a:rPr lang="en-US" dirty="0" err="1"/>
+              <a:t>dva</a:t>
+            </a:r>
+            <a:r>
+              <a:rPr lang="en-US" dirty="0"/>
+              <a:t> </a:t>
+            </a:r>
+            <a:r>
+              <a:rPr lang="en-US" dirty="0" err="1"/>
+              <a:t>sklopa</a:t>
+            </a:r>
+            <a:r>
+              <a:rPr lang="en-US" dirty="0"/>
+              <a:t> HFBR05, </a:t>
+            </a:r>
+            <a:r>
+              <a:rPr lang="en-US" dirty="0" err="1"/>
+              <a:t>kot</a:t>
+            </a:r>
+            <a:r>
+              <a:rPr lang="en-US" dirty="0"/>
+              <a:t> so </a:t>
+            </a:r>
+            <a:r>
+              <a:rPr lang="en-US" dirty="0" err="1"/>
+              <a:t>prikazana</a:t>
+            </a:r>
+            <a:r>
+              <a:rPr lang="en-US" dirty="0"/>
+              <a:t> </a:t>
+            </a:r>
+            <a:r>
+              <a:rPr lang="en-US" dirty="0" err="1"/>
+              <a:t>na</a:t>
+            </a:r>
+            <a:r>
+              <a:rPr lang="en-US" dirty="0"/>
+              <a:t> </a:t>
+            </a:r>
+            <a:r>
+              <a:rPr lang="en-US" dirty="0" err="1"/>
+              <a:t>sliki</a:t>
+            </a:r>
+            <a:r>
+              <a:rPr lang="en-US" dirty="0"/>
+              <a:t>. </a:t>
+            </a:r>
+            <a:r>
+              <a:rPr lang="en-US" dirty="0" err="1"/>
+              <a:t>Vsakega</a:t>
+            </a:r>
+            <a:r>
+              <a:rPr lang="en-US" dirty="0"/>
+              <a:t> </a:t>
+            </a:r>
+            <a:r>
+              <a:rPr lang="en-US" dirty="0" err="1"/>
+              <a:t>sestavlja</a:t>
+            </a:r>
+            <a:r>
+              <a:rPr lang="en-US" dirty="0"/>
+              <a:t> par </a:t>
+            </a:r>
+            <a:r>
+              <a:rPr lang="en-US" dirty="0" err="1"/>
+              <a:t>oddajnik-sprejemnik</a:t>
+            </a:r>
+            <a:r>
+              <a:rPr lang="en-US" dirty="0"/>
+              <a:t>, ki </a:t>
+            </a:r>
+            <a:r>
+              <a:rPr lang="en-US" dirty="0" err="1"/>
+              <a:t>sta</a:t>
+            </a:r>
+            <a:r>
+              <a:rPr lang="en-US" dirty="0"/>
+              <a:t> </a:t>
+            </a:r>
+            <a:r>
+              <a:rPr lang="en-US" dirty="0" err="1"/>
+              <a:t>povezana</a:t>
+            </a:r>
+            <a:r>
+              <a:rPr lang="en-US" dirty="0"/>
+              <a:t> </a:t>
+            </a:r>
+            <a:r>
+              <a:rPr lang="en-US" dirty="0" err="1"/>
+              <a:t>preko</a:t>
+            </a:r>
+            <a:r>
+              <a:rPr lang="en-US" dirty="0"/>
+              <a:t> </a:t>
+            </a:r>
+            <a:r>
+              <a:rPr lang="en-US" dirty="0" err="1"/>
+              <a:t>optičnega</a:t>
+            </a:r>
+            <a:r>
+              <a:rPr lang="en-US" dirty="0"/>
+              <a:t> </a:t>
+            </a:r>
+            <a:r>
+              <a:rPr lang="en-US" dirty="0" err="1"/>
+              <a:t>kabla</a:t>
+            </a:r>
+            <a:r>
+              <a:rPr lang="en-US" dirty="0"/>
+              <a:t>.</a:t>
+            </a:r>
+            <a:endParaRPr lang="sl-SI" dirty="0"/>
           </a:p>
         </p:txBody>
       </p:sp>
@@ -545,6 +1041,2850 @@
     <p:extLst>
       <p:ext uri="{BB962C8B-B14F-4D97-AF65-F5344CB8AC3E}">
         <p14:creationId xmlns:p14="http://schemas.microsoft.com/office/powerpoint/2010/main" val="404308754"/>
+      </p:ext>
+    </p:extLst>
+  </p:cSld>
+  <p:clrMapOvr>
+    <a:masterClrMapping/>
+  </p:clrMapOvr>
+</p:notes>
+</file>
+
+<file path=ppt/notesSlides/notesSlide3.xml><?xml version="1.0" encoding="utf-8"?>
+<p:notes xmlns:a="http://schemas.openxmlformats.org/drawingml/2006/main" xmlns:r="http://schemas.openxmlformats.org/officeDocument/2006/relationships" xmlns:p="http://schemas.openxmlformats.org/presentationml/2006/main">
+  <p:cSld>
+    <p:spTree>
+      <p:nvGrpSpPr>
+        <p:cNvPr id="1" name=""/>
+        <p:cNvGrpSpPr/>
+        <p:nvPr/>
+      </p:nvGrpSpPr>
+      <p:grpSpPr>
+        <a:xfrm>
+          <a:off x="0" y="0"/>
+          <a:ext cx="0" cy="0"/>
+          <a:chOff x="0" y="0"/>
+          <a:chExt cx="0" cy="0"/>
+        </a:xfrm>
+      </p:grpSpPr>
+      <p:sp>
+        <p:nvSpPr>
+          <p:cNvPr id="2" name="Slide Image Placeholder 1"/>
+          <p:cNvSpPr>
+            <a:spLocks noGrp="1" noRot="1" noChangeAspect="1"/>
+          </p:cNvSpPr>
+          <p:nvPr>
+            <p:ph type="sldImg"/>
+          </p:nvPr>
+        </p:nvSpPr>
+        <p:spPr/>
+      </p:sp>
+      <p:sp>
+        <p:nvSpPr>
+          <p:cNvPr id="3" name="Notes Placeholder 2"/>
+          <p:cNvSpPr>
+            <a:spLocks noGrp="1"/>
+          </p:cNvSpPr>
+          <p:nvPr>
+            <p:ph type="body" idx="1"/>
+          </p:nvPr>
+        </p:nvSpPr>
+        <p:spPr/>
+        <p:txBody>
+          <a:bodyPr/>
+          <a:lstStyle/>
+          <a:p>
+            <a:r>
+              <a:rPr lang="en-US" dirty="0" err="1"/>
+              <a:t>Notranje</a:t>
+            </a:r>
+            <a:r>
+              <a:rPr lang="en-US" dirty="0"/>
+              <a:t> </a:t>
+            </a:r>
+            <a:r>
+              <a:rPr lang="en-US" dirty="0" err="1"/>
+              <a:t>vezje</a:t>
+            </a:r>
+            <a:r>
+              <a:rPr lang="en-US" dirty="0"/>
+              <a:t> </a:t>
+            </a:r>
+            <a:r>
+              <a:rPr lang="en-US" dirty="0" err="1"/>
+              <a:t>oddajnika</a:t>
+            </a:r>
+            <a:r>
+              <a:rPr lang="en-US" dirty="0"/>
+              <a:t> </a:t>
+            </a:r>
+            <a:r>
+              <a:rPr lang="en-US" dirty="0" err="1"/>
+              <a:t>sestavja</a:t>
+            </a:r>
+            <a:r>
+              <a:rPr lang="en-US" dirty="0"/>
+              <a:t> </a:t>
+            </a:r>
+            <a:r>
+              <a:rPr lang="en-US" dirty="0" err="1"/>
+              <a:t>samo</a:t>
+            </a:r>
+            <a:r>
+              <a:rPr lang="en-US" dirty="0"/>
+              <a:t> </a:t>
+            </a:r>
+            <a:r>
+              <a:rPr lang="en-US" dirty="0" err="1"/>
+              <a:t>vir</a:t>
+            </a:r>
+            <a:r>
+              <a:rPr lang="en-US" dirty="0"/>
+              <a:t> </a:t>
+            </a:r>
+            <a:r>
+              <a:rPr lang="en-US" dirty="0" err="1"/>
+              <a:t>svetlobe</a:t>
+            </a:r>
+            <a:r>
+              <a:rPr lang="en-US" dirty="0"/>
+              <a:t>, LED </a:t>
+            </a:r>
+            <a:r>
+              <a:rPr lang="en-US" dirty="0" err="1"/>
+              <a:t>dioda</a:t>
+            </a:r>
+            <a:r>
+              <a:rPr lang="en-US" dirty="0"/>
+              <a:t>. V </a:t>
+            </a:r>
+            <a:r>
+              <a:rPr lang="en-US" dirty="0" err="1"/>
+              <a:t>sprjemniku</a:t>
+            </a:r>
+            <a:r>
+              <a:rPr lang="en-US" dirty="0"/>
+              <a:t> </a:t>
+            </a:r>
+            <a:r>
+              <a:rPr lang="en-US" dirty="0" err="1"/>
+              <a:t>svetlobni</a:t>
+            </a:r>
+            <a:r>
+              <a:rPr lang="en-US" dirty="0"/>
+              <a:t> signal </a:t>
+            </a:r>
+            <a:r>
+              <a:rPr lang="en-US" dirty="0" err="1"/>
+              <a:t>sprejme</a:t>
+            </a:r>
+            <a:r>
+              <a:rPr lang="en-US" dirty="0"/>
+              <a:t> </a:t>
+            </a:r>
+            <a:r>
+              <a:rPr lang="en-US" dirty="0" err="1"/>
+              <a:t>fotodioda</a:t>
+            </a:r>
+            <a:r>
+              <a:rPr lang="en-US" dirty="0"/>
+              <a:t> </a:t>
+            </a:r>
+            <a:r>
+              <a:rPr lang="en-US" dirty="0" err="1"/>
+              <a:t>na</a:t>
+            </a:r>
+            <a:r>
+              <a:rPr lang="en-US" dirty="0"/>
+              <a:t> </a:t>
+            </a:r>
+            <a:r>
+              <a:rPr lang="en-US" dirty="0" err="1"/>
+              <a:t>vhodu</a:t>
+            </a:r>
+            <a:r>
+              <a:rPr lang="en-US" dirty="0"/>
+              <a:t> </a:t>
+            </a:r>
+            <a:r>
+              <a:rPr lang="en-US" dirty="0" err="1"/>
+              <a:t>operacijskega</a:t>
+            </a:r>
+            <a:r>
+              <a:rPr lang="en-US" dirty="0"/>
+              <a:t> </a:t>
+            </a:r>
+            <a:r>
+              <a:rPr lang="en-US" dirty="0" err="1"/>
+              <a:t>ojačevalnika</a:t>
+            </a:r>
+            <a:r>
+              <a:rPr lang="en-US" dirty="0"/>
+              <a:t>, ki </a:t>
+            </a:r>
+            <a:r>
+              <a:rPr lang="en-US" dirty="0" err="1"/>
+              <a:t>krmili</a:t>
+            </a:r>
+            <a:r>
+              <a:rPr lang="en-US" dirty="0"/>
+              <a:t> </a:t>
+            </a:r>
+            <a:r>
+              <a:rPr lang="en-US" dirty="0" err="1"/>
+              <a:t>ttranzistor</a:t>
+            </a:r>
+            <a:r>
+              <a:rPr lang="en-US" dirty="0"/>
+              <a:t>.</a:t>
+            </a:r>
+            <a:br>
+              <a:rPr lang="en-US" dirty="0"/>
+            </a:br>
+            <a:r>
+              <a:rPr lang="en-US" dirty="0"/>
+              <a:t>Ko </a:t>
+            </a:r>
+            <a:r>
+              <a:rPr lang="en-US" dirty="0" err="1"/>
+              <a:t>imamo</a:t>
+            </a:r>
+            <a:r>
+              <a:rPr lang="en-US" dirty="0"/>
+              <a:t> </a:t>
+            </a:r>
+            <a:r>
+              <a:rPr lang="en-US" dirty="0" err="1"/>
+              <a:t>na</a:t>
+            </a:r>
+            <a:r>
+              <a:rPr lang="en-US" dirty="0"/>
+              <a:t> </a:t>
+            </a:r>
+            <a:r>
+              <a:rPr lang="en-US" dirty="0" err="1"/>
+              <a:t>oddajniku</a:t>
+            </a:r>
+            <a:r>
+              <a:rPr lang="en-US" dirty="0"/>
+              <a:t> </a:t>
+            </a:r>
+            <a:r>
+              <a:rPr lang="en-US" dirty="0" err="1"/>
+              <a:t>svetlobni</a:t>
+            </a:r>
+            <a:r>
+              <a:rPr lang="en-US" dirty="0"/>
+              <a:t> signal – </a:t>
+            </a:r>
+            <a:r>
+              <a:rPr lang="en-US" dirty="0" err="1"/>
+              <a:t>logična</a:t>
+            </a:r>
+            <a:r>
+              <a:rPr lang="en-US" dirty="0"/>
+              <a:t> 1, v </a:t>
+            </a:r>
+            <a:r>
+              <a:rPr lang="en-US" dirty="0" err="1"/>
+              <a:t>sprejemniku</a:t>
+            </a:r>
+            <a:r>
+              <a:rPr lang="en-US" dirty="0"/>
+              <a:t> transistor </a:t>
+            </a:r>
+            <a:r>
+              <a:rPr lang="en-US" dirty="0" err="1"/>
+              <a:t>začne</a:t>
+            </a:r>
+            <a:r>
+              <a:rPr lang="en-US" dirty="0"/>
+              <a:t> </a:t>
+            </a:r>
+            <a:r>
+              <a:rPr lang="en-US" dirty="0" err="1"/>
+              <a:t>prevajati</a:t>
+            </a:r>
+            <a:r>
+              <a:rPr lang="en-US" dirty="0"/>
+              <a:t> in je </a:t>
+            </a:r>
+            <a:r>
+              <a:rPr lang="en-US" dirty="0" err="1"/>
+              <a:t>izhodna</a:t>
+            </a:r>
+            <a:r>
+              <a:rPr lang="en-US" dirty="0"/>
+              <a:t> </a:t>
+            </a:r>
+            <a:r>
+              <a:rPr lang="en-US" dirty="0" err="1"/>
+              <a:t>napetost</a:t>
+            </a:r>
+            <a:r>
+              <a:rPr lang="en-US" dirty="0"/>
+              <a:t> 0 – </a:t>
+            </a:r>
+            <a:r>
+              <a:rPr lang="en-US" dirty="0" err="1"/>
+              <a:t>logična</a:t>
+            </a:r>
+            <a:r>
+              <a:rPr lang="en-US" dirty="0"/>
+              <a:t> 0.</a:t>
+            </a:r>
+          </a:p>
+          <a:p>
+            <a:r>
+              <a:rPr lang="en-US" dirty="0"/>
+              <a:t>V </a:t>
+            </a:r>
+            <a:r>
+              <a:rPr lang="en-US" dirty="0" err="1"/>
+              <a:t>nasprotnem</a:t>
+            </a:r>
+            <a:r>
+              <a:rPr lang="en-US" dirty="0"/>
+              <a:t> </a:t>
+            </a:r>
+            <a:r>
+              <a:rPr lang="en-US" dirty="0" err="1"/>
+              <a:t>primeru</a:t>
+            </a:r>
+            <a:r>
+              <a:rPr lang="en-US" dirty="0"/>
+              <a:t> , ko transistor ne </a:t>
+            </a:r>
+            <a:r>
+              <a:rPr lang="en-US" dirty="0" err="1"/>
+              <a:t>prevaja</a:t>
+            </a:r>
+            <a:r>
+              <a:rPr lang="en-US" dirty="0"/>
+              <a:t>, je </a:t>
+            </a:r>
+            <a:r>
+              <a:rPr lang="en-US" dirty="0" err="1"/>
+              <a:t>izhodna</a:t>
+            </a:r>
+            <a:r>
+              <a:rPr lang="en-US" dirty="0"/>
+              <a:t> </a:t>
+            </a:r>
+            <a:r>
+              <a:rPr lang="en-US" dirty="0" err="1"/>
+              <a:t>napetost</a:t>
+            </a:r>
+            <a:r>
+              <a:rPr lang="en-US" dirty="0"/>
+              <a:t> Vo </a:t>
+            </a:r>
+            <a:r>
+              <a:rPr lang="en-US" dirty="0" err="1"/>
+              <a:t>enaka</a:t>
+            </a:r>
+            <a:r>
+              <a:rPr lang="en-US" dirty="0"/>
+              <a:t> </a:t>
+            </a:r>
+            <a:r>
+              <a:rPr lang="en-US" dirty="0" err="1"/>
+              <a:t>napajalni</a:t>
+            </a:r>
+            <a:r>
+              <a:rPr lang="en-US" dirty="0"/>
+              <a:t> </a:t>
+            </a:r>
+            <a:r>
+              <a:rPr lang="en-US" dirty="0" err="1"/>
+              <a:t>napetosti</a:t>
+            </a:r>
+            <a:r>
+              <a:rPr lang="en-US" dirty="0"/>
+              <a:t> </a:t>
+            </a:r>
+            <a:r>
+              <a:rPr lang="en-US" dirty="0" err="1"/>
+              <a:t>Vcc</a:t>
+            </a:r>
+            <a:r>
+              <a:rPr lang="en-US" dirty="0"/>
+              <a:t> z </a:t>
+            </a:r>
+            <a:r>
+              <a:rPr lang="en-US" dirty="0" err="1"/>
+              <a:t>zunanjo</a:t>
+            </a:r>
+            <a:r>
+              <a:rPr lang="en-US" dirty="0"/>
+              <a:t> </a:t>
+            </a:r>
+            <a:r>
+              <a:rPr lang="en-US" dirty="0" err="1"/>
+              <a:t>povezavo</a:t>
+            </a:r>
+            <a:r>
+              <a:rPr lang="en-US" dirty="0"/>
+              <a:t> med Vo in RL, </a:t>
+            </a:r>
+            <a:r>
+              <a:rPr lang="en-US" dirty="0" err="1"/>
+              <a:t>torej</a:t>
+            </a:r>
+            <a:r>
+              <a:rPr lang="en-US" dirty="0"/>
+              <a:t> je Vo </a:t>
+            </a:r>
+            <a:r>
+              <a:rPr lang="en-US" dirty="0" err="1"/>
+              <a:t>preko</a:t>
+            </a:r>
+            <a:r>
+              <a:rPr lang="en-US" dirty="0"/>
+              <a:t> pullup </a:t>
+            </a:r>
+            <a:r>
+              <a:rPr lang="en-US" dirty="0" err="1"/>
+              <a:t>upora</a:t>
+            </a:r>
+            <a:r>
+              <a:rPr lang="en-US" dirty="0"/>
+              <a:t> </a:t>
+            </a:r>
+            <a:r>
+              <a:rPr lang="en-US" dirty="0" err="1"/>
+              <a:t>vezana</a:t>
+            </a:r>
+            <a:r>
+              <a:rPr lang="en-US" dirty="0"/>
+              <a:t> </a:t>
+            </a:r>
+            <a:r>
+              <a:rPr lang="en-US" dirty="0" err="1"/>
+              <a:t>na</a:t>
+            </a:r>
+            <a:r>
+              <a:rPr lang="en-US" dirty="0"/>
+              <a:t> </a:t>
+            </a:r>
+            <a:r>
+              <a:rPr lang="en-US" dirty="0" err="1"/>
+              <a:t>Vcc</a:t>
+            </a:r>
+            <a:r>
+              <a:rPr lang="en-US" dirty="0"/>
+              <a:t>.</a:t>
+            </a:r>
+            <a:endParaRPr lang="en-SI" dirty="0"/>
+          </a:p>
+        </p:txBody>
+      </p:sp>
+      <p:sp>
+        <p:nvSpPr>
+          <p:cNvPr id="4" name="Slide Number Placeholder 3"/>
+          <p:cNvSpPr>
+            <a:spLocks noGrp="1"/>
+          </p:cNvSpPr>
+          <p:nvPr>
+            <p:ph type="sldNum" sz="quarter" idx="5"/>
+          </p:nvPr>
+        </p:nvSpPr>
+        <p:spPr/>
+        <p:txBody>
+          <a:bodyPr/>
+          <a:lstStyle/>
+          <a:p>
+            <a:fld id="{492D5F23-14B6-4549-8755-C6856C25756F}" type="slidenum">
+              <a:rPr lang="sl-SI" smtClean="0"/>
+              <a:t>3</a:t>
+            </a:fld>
+            <a:endParaRPr lang="sl-SI"/>
+          </a:p>
+        </p:txBody>
+      </p:sp>
+    </p:spTree>
+    <p:extLst>
+      <p:ext uri="{BB962C8B-B14F-4D97-AF65-F5344CB8AC3E}">
+        <p14:creationId xmlns:p14="http://schemas.microsoft.com/office/powerpoint/2010/main" val="2671642543"/>
+      </p:ext>
+    </p:extLst>
+  </p:cSld>
+  <p:clrMapOvr>
+    <a:masterClrMapping/>
+  </p:clrMapOvr>
+</p:notes>
+</file>
+
+<file path=ppt/notesSlides/notesSlide4.xml><?xml version="1.0" encoding="utf-8"?>
+<p:notes xmlns:a="http://schemas.openxmlformats.org/drawingml/2006/main" xmlns:r="http://schemas.openxmlformats.org/officeDocument/2006/relationships" xmlns:p="http://schemas.openxmlformats.org/presentationml/2006/main">
+  <p:cSld>
+    <p:spTree>
+      <p:nvGrpSpPr>
+        <p:cNvPr id="1" name=""/>
+        <p:cNvGrpSpPr/>
+        <p:nvPr/>
+      </p:nvGrpSpPr>
+      <p:grpSpPr>
+        <a:xfrm>
+          <a:off x="0" y="0"/>
+          <a:ext cx="0" cy="0"/>
+          <a:chOff x="0" y="0"/>
+          <a:chExt cx="0" cy="0"/>
+        </a:xfrm>
+      </p:grpSpPr>
+      <p:sp>
+        <p:nvSpPr>
+          <p:cNvPr id="2" name="Slide Image Placeholder 1"/>
+          <p:cNvSpPr>
+            <a:spLocks noGrp="1" noRot="1" noChangeAspect="1"/>
+          </p:cNvSpPr>
+          <p:nvPr>
+            <p:ph type="sldImg"/>
+          </p:nvPr>
+        </p:nvSpPr>
+        <p:spPr/>
+      </p:sp>
+      <p:sp>
+        <p:nvSpPr>
+          <p:cNvPr id="3" name="Notes Placeholder 2"/>
+          <p:cNvSpPr>
+            <a:spLocks noGrp="1"/>
+          </p:cNvSpPr>
+          <p:nvPr>
+            <p:ph type="body" idx="1"/>
+          </p:nvPr>
+        </p:nvSpPr>
+        <p:spPr/>
+        <p:txBody>
+          <a:bodyPr/>
+          <a:lstStyle/>
+          <a:p>
+            <a:r>
+              <a:rPr lang="en-US" dirty="0"/>
+              <a:t>Tako </a:t>
+            </a:r>
+            <a:r>
+              <a:rPr lang="en-US" dirty="0" err="1"/>
+              <a:t>zgleda</a:t>
+            </a:r>
+            <a:r>
+              <a:rPr lang="en-US" dirty="0"/>
+              <a:t> </a:t>
+            </a:r>
+            <a:r>
+              <a:rPr lang="en-US" dirty="0" err="1"/>
+              <a:t>končna</a:t>
+            </a:r>
+            <a:r>
+              <a:rPr lang="en-US" dirty="0"/>
+              <a:t> </a:t>
+            </a:r>
+            <a:r>
+              <a:rPr lang="en-US" dirty="0" err="1"/>
+              <a:t>shema</a:t>
+            </a:r>
+            <a:r>
+              <a:rPr lang="en-US" dirty="0"/>
+              <a:t> </a:t>
+            </a:r>
+            <a:r>
+              <a:rPr lang="en-US" dirty="0" err="1"/>
+              <a:t>vezja</a:t>
+            </a:r>
+            <a:r>
+              <a:rPr lang="en-US" dirty="0"/>
+              <a:t>.</a:t>
+            </a:r>
+          </a:p>
+          <a:p>
+            <a:r>
+              <a:rPr lang="en-US" dirty="0" err="1"/>
+              <a:t>Vmesnik</a:t>
+            </a:r>
+            <a:r>
+              <a:rPr lang="en-US" dirty="0"/>
+              <a:t> </a:t>
+            </a:r>
+            <a:r>
+              <a:rPr lang="en-US" dirty="0" err="1"/>
+              <a:t>sestavljata</a:t>
+            </a:r>
+            <a:r>
+              <a:rPr lang="en-US" dirty="0"/>
+              <a:t> </a:t>
+            </a:r>
+            <a:r>
+              <a:rPr lang="en-US" dirty="0" err="1"/>
+              <a:t>dve</a:t>
+            </a:r>
+            <a:r>
+              <a:rPr lang="en-US" dirty="0"/>
+              <a:t> </a:t>
+            </a:r>
+            <a:r>
+              <a:rPr lang="en-US" dirty="0" err="1"/>
+              <a:t>identični</a:t>
+            </a:r>
+            <a:r>
+              <a:rPr lang="en-US" dirty="0"/>
+              <a:t> </a:t>
+            </a:r>
+            <a:r>
+              <a:rPr lang="en-US" dirty="0" err="1"/>
+              <a:t>vezji</a:t>
+            </a:r>
+            <a:r>
+              <a:rPr lang="en-US" dirty="0"/>
+              <a:t>, </a:t>
+            </a:r>
+            <a:r>
+              <a:rPr lang="en-US" dirty="0" err="1"/>
+              <a:t>povezani</a:t>
+            </a:r>
+            <a:r>
+              <a:rPr lang="en-US" dirty="0"/>
+              <a:t> z </a:t>
+            </a:r>
+            <a:r>
+              <a:rPr lang="en-US" dirty="0" err="1"/>
+              <a:t>dvema</a:t>
+            </a:r>
+            <a:r>
+              <a:rPr lang="en-US" dirty="0"/>
+              <a:t> </a:t>
+            </a:r>
+            <a:r>
+              <a:rPr lang="en-US" dirty="0" err="1"/>
+              <a:t>optičnima</a:t>
+            </a:r>
+            <a:r>
+              <a:rPr lang="en-US" dirty="0"/>
+              <a:t> </a:t>
+            </a:r>
+            <a:r>
+              <a:rPr lang="en-US" dirty="0" err="1"/>
+              <a:t>kabloma</a:t>
+            </a:r>
+            <a:r>
+              <a:rPr lang="en-US" dirty="0"/>
+              <a:t>. </a:t>
+            </a:r>
+          </a:p>
+          <a:p>
+            <a:r>
+              <a:rPr lang="en-US" dirty="0" err="1"/>
+              <a:t>Povezava</a:t>
+            </a:r>
+            <a:r>
+              <a:rPr lang="en-US" dirty="0"/>
+              <a:t> med </a:t>
+            </a:r>
+            <a:r>
+              <a:rPr lang="en-US" dirty="0" err="1"/>
+              <a:t>računalnikom</a:t>
+            </a:r>
+            <a:r>
+              <a:rPr lang="en-US" dirty="0"/>
+              <a:t> in </a:t>
+            </a:r>
+            <a:r>
+              <a:rPr lang="en-US" dirty="0" err="1"/>
+              <a:t>vezjem</a:t>
+            </a:r>
+            <a:r>
+              <a:rPr lang="en-US" dirty="0"/>
+              <a:t> je </a:t>
+            </a:r>
+            <a:r>
+              <a:rPr lang="en-US" dirty="0" err="1"/>
+              <a:t>napravljena</a:t>
+            </a:r>
+            <a:r>
+              <a:rPr lang="en-US" dirty="0"/>
+              <a:t> s </a:t>
+            </a:r>
+            <a:r>
+              <a:rPr lang="en-US" dirty="0" err="1"/>
+              <a:t>pretvorniškim</a:t>
+            </a:r>
+            <a:r>
+              <a:rPr lang="en-US" dirty="0"/>
+              <a:t> </a:t>
+            </a:r>
+            <a:r>
+              <a:rPr lang="en-US" dirty="0" err="1"/>
+              <a:t>kablom</a:t>
+            </a:r>
+            <a:r>
+              <a:rPr lang="en-US" dirty="0"/>
+              <a:t> TTL-232R, ki </a:t>
+            </a:r>
+            <a:r>
+              <a:rPr lang="en-US" dirty="0" err="1"/>
+              <a:t>pretvori</a:t>
+            </a:r>
+            <a:r>
+              <a:rPr lang="en-US" dirty="0"/>
+              <a:t> USB </a:t>
+            </a:r>
+            <a:r>
+              <a:rPr lang="en-US" dirty="0" err="1"/>
+              <a:t>signale</a:t>
+            </a:r>
+            <a:r>
+              <a:rPr lang="en-US" dirty="0"/>
+              <a:t> v </a:t>
+            </a:r>
+            <a:r>
+              <a:rPr lang="en-US" dirty="0" err="1"/>
+              <a:t>serijske</a:t>
+            </a:r>
+            <a:r>
+              <a:rPr lang="en-US" dirty="0"/>
+              <a:t> (UART) in </a:t>
+            </a:r>
+            <a:r>
+              <a:rPr lang="en-US" dirty="0" err="1"/>
+              <a:t>obratno</a:t>
+            </a:r>
+            <a:r>
+              <a:rPr lang="en-US" dirty="0"/>
+              <a:t>. </a:t>
+            </a:r>
+            <a:r>
+              <a:rPr lang="en-US" dirty="0" err="1"/>
+              <a:t>Preko</a:t>
+            </a:r>
+            <a:r>
+              <a:rPr lang="en-US" dirty="0"/>
+              <a:t> </a:t>
+            </a:r>
+            <a:r>
+              <a:rPr lang="en-US" dirty="0" err="1"/>
+              <a:t>kabla</a:t>
+            </a:r>
+            <a:r>
+              <a:rPr lang="en-US" dirty="0"/>
+              <a:t> </a:t>
+            </a:r>
+            <a:r>
+              <a:rPr lang="en-US" dirty="0" err="1"/>
+              <a:t>dobimo</a:t>
+            </a:r>
+            <a:r>
+              <a:rPr lang="en-US" dirty="0"/>
+              <a:t> </a:t>
+            </a:r>
+            <a:r>
+              <a:rPr lang="en-US" dirty="0" err="1"/>
+              <a:t>tudi</a:t>
+            </a:r>
+            <a:r>
+              <a:rPr lang="en-US" dirty="0"/>
+              <a:t> </a:t>
+            </a:r>
+            <a:r>
+              <a:rPr lang="en-US" dirty="0" err="1"/>
+              <a:t>napajanje</a:t>
+            </a:r>
+            <a:r>
+              <a:rPr lang="en-US" dirty="0"/>
+              <a:t> za </a:t>
+            </a:r>
+            <a:r>
+              <a:rPr lang="en-US" dirty="0" err="1"/>
+              <a:t>elemente</a:t>
+            </a:r>
+            <a:r>
+              <a:rPr lang="en-US" dirty="0"/>
+              <a:t> </a:t>
+            </a:r>
+            <a:r>
+              <a:rPr lang="en-US" dirty="0" err="1"/>
+              <a:t>vezja</a:t>
+            </a:r>
+            <a:r>
+              <a:rPr lang="en-US" dirty="0"/>
+              <a:t>.</a:t>
+            </a:r>
+          </a:p>
+          <a:p>
+            <a:r>
+              <a:rPr lang="en-US" dirty="0" err="1"/>
+              <a:t>Če</a:t>
+            </a:r>
+            <a:r>
+              <a:rPr lang="en-US" dirty="0"/>
+              <a:t> </a:t>
+            </a:r>
+            <a:r>
+              <a:rPr lang="en-US" dirty="0" err="1"/>
+              <a:t>imamo</a:t>
+            </a:r>
+            <a:r>
+              <a:rPr lang="en-US" dirty="0"/>
+              <a:t> </a:t>
+            </a:r>
+            <a:r>
+              <a:rPr lang="en-US" dirty="0" err="1"/>
+              <a:t>napajalno</a:t>
+            </a:r>
+            <a:r>
+              <a:rPr lang="en-US" dirty="0"/>
+              <a:t> </a:t>
+            </a:r>
+            <a:r>
+              <a:rPr lang="en-US" dirty="0" err="1"/>
+              <a:t>napetost</a:t>
+            </a:r>
+            <a:r>
+              <a:rPr lang="en-US" dirty="0"/>
+              <a:t> 5V, </a:t>
+            </a:r>
+            <a:r>
+              <a:rPr lang="en-US" dirty="0" err="1"/>
+              <a:t>lahko</a:t>
+            </a:r>
+            <a:r>
+              <a:rPr lang="en-US" dirty="0"/>
+              <a:t> to </a:t>
+            </a:r>
+            <a:r>
+              <a:rPr lang="en-US" dirty="0" err="1"/>
+              <a:t>peljemo</a:t>
+            </a:r>
+            <a:r>
+              <a:rPr lang="en-US" dirty="0"/>
+              <a:t> </a:t>
+            </a:r>
+            <a:r>
+              <a:rPr lang="en-US" dirty="0" err="1"/>
+              <a:t>direktno</a:t>
+            </a:r>
+            <a:r>
+              <a:rPr lang="en-US" dirty="0"/>
+              <a:t> </a:t>
+            </a:r>
+            <a:r>
+              <a:rPr lang="en-US" dirty="0" err="1"/>
+              <a:t>na</a:t>
+            </a:r>
+            <a:r>
+              <a:rPr lang="en-US" dirty="0"/>
+              <a:t> </a:t>
+            </a:r>
+            <a:r>
+              <a:rPr lang="en-US" dirty="0" err="1"/>
+              <a:t>anodo</a:t>
+            </a:r>
+            <a:r>
+              <a:rPr lang="en-US" dirty="0"/>
+              <a:t> </a:t>
+            </a:r>
+            <a:r>
+              <a:rPr lang="en-US" dirty="0" err="1"/>
+              <a:t>oddajnika</a:t>
+            </a:r>
+            <a:r>
+              <a:rPr lang="en-US" dirty="0"/>
+              <a:t> </a:t>
+            </a:r>
+            <a:r>
+              <a:rPr lang="en-US" dirty="0" err="1"/>
+              <a:t>preko</a:t>
+            </a:r>
+            <a:r>
+              <a:rPr lang="en-US" dirty="0"/>
+              <a:t> </a:t>
+            </a:r>
+            <a:r>
+              <a:rPr lang="en-US" dirty="0" err="1"/>
+              <a:t>upora</a:t>
+            </a:r>
+            <a:r>
+              <a:rPr lang="en-US" dirty="0"/>
+              <a:t> R1, ki </a:t>
+            </a:r>
+            <a:r>
+              <a:rPr lang="en-US" dirty="0" err="1"/>
+              <a:t>omejuje</a:t>
+            </a:r>
+            <a:r>
+              <a:rPr lang="en-US" dirty="0"/>
+              <a:t> </a:t>
+            </a:r>
+            <a:r>
+              <a:rPr lang="en-US" dirty="0" err="1"/>
+              <a:t>tok</a:t>
+            </a:r>
+            <a:r>
+              <a:rPr lang="en-US" dirty="0"/>
+              <a:t> </a:t>
+            </a:r>
+            <a:r>
+              <a:rPr lang="en-US" dirty="0" err="1"/>
+              <a:t>čez</a:t>
+            </a:r>
+            <a:r>
+              <a:rPr lang="en-US" dirty="0"/>
+              <a:t> </a:t>
+            </a:r>
+            <a:r>
+              <a:rPr lang="en-US" dirty="0" err="1"/>
+              <a:t>diodo</a:t>
+            </a:r>
+            <a:r>
+              <a:rPr lang="en-US" dirty="0"/>
+              <a:t> </a:t>
+            </a:r>
+            <a:r>
+              <a:rPr lang="en-US" dirty="0" err="1"/>
+              <a:t>na</a:t>
+            </a:r>
+            <a:r>
+              <a:rPr lang="en-US" dirty="0"/>
+              <a:t> </a:t>
+            </a:r>
+            <a:r>
+              <a:rPr lang="en-US" dirty="0" err="1"/>
+              <a:t>približno</a:t>
+            </a:r>
+            <a:r>
+              <a:rPr lang="en-US" dirty="0"/>
+              <a:t> 50mA.</a:t>
+            </a:r>
+          </a:p>
+          <a:p>
+            <a:r>
+              <a:rPr lang="en-US" dirty="0" err="1"/>
+              <a:t>Če</a:t>
+            </a:r>
+            <a:r>
+              <a:rPr lang="en-US" dirty="0"/>
+              <a:t> je </a:t>
+            </a:r>
+            <a:r>
+              <a:rPr lang="en-US" dirty="0" err="1"/>
+              <a:t>napajalna</a:t>
+            </a:r>
+            <a:r>
+              <a:rPr lang="en-US" dirty="0"/>
+              <a:t> </a:t>
+            </a:r>
+            <a:r>
+              <a:rPr lang="en-US" dirty="0" err="1"/>
+              <a:t>napetost</a:t>
+            </a:r>
+            <a:r>
+              <a:rPr lang="en-US" dirty="0"/>
+              <a:t> 3,3V, pa </a:t>
+            </a:r>
+            <a:r>
+              <a:rPr lang="en-US" dirty="0" err="1"/>
+              <a:t>napetost</a:t>
+            </a:r>
+            <a:r>
+              <a:rPr lang="en-US" dirty="0"/>
+              <a:t> </a:t>
+            </a:r>
+            <a:r>
+              <a:rPr lang="en-US" dirty="0" err="1"/>
+              <a:t>dvignemo</a:t>
+            </a:r>
+            <a:r>
+              <a:rPr lang="en-US" dirty="0"/>
+              <a:t> </a:t>
+            </a:r>
+            <a:r>
+              <a:rPr lang="en-US" dirty="0" err="1"/>
+              <a:t>na</a:t>
+            </a:r>
+            <a:r>
+              <a:rPr lang="en-US" dirty="0"/>
+              <a:t> 5V z DCDC </a:t>
+            </a:r>
+            <a:r>
+              <a:rPr lang="en-US" dirty="0" err="1"/>
+              <a:t>pretvornikom</a:t>
+            </a:r>
+            <a:r>
+              <a:rPr lang="en-US" dirty="0"/>
+              <a:t>, </a:t>
+            </a:r>
+            <a:r>
+              <a:rPr lang="en-US" dirty="0" err="1"/>
+              <a:t>kar</a:t>
+            </a:r>
+            <a:r>
+              <a:rPr lang="en-US" dirty="0"/>
+              <a:t> </a:t>
+            </a:r>
+            <a:r>
+              <a:rPr lang="en-US" dirty="0" err="1"/>
+              <a:t>lahko</a:t>
+            </a:r>
+            <a:r>
+              <a:rPr lang="en-US" dirty="0"/>
+              <a:t> </a:t>
+            </a:r>
+            <a:r>
+              <a:rPr lang="en-US" dirty="0" err="1"/>
+              <a:t>izbiramo</a:t>
+            </a:r>
+            <a:r>
+              <a:rPr lang="en-US" dirty="0"/>
+              <a:t> z </a:t>
+            </a:r>
+            <a:r>
+              <a:rPr lang="en-US" dirty="0" err="1"/>
+              <a:t>mostičkom</a:t>
+            </a:r>
+            <a:r>
+              <a:rPr lang="en-US" dirty="0"/>
+              <a:t> JP1.</a:t>
+            </a:r>
+          </a:p>
+          <a:p>
+            <a:r>
+              <a:rPr lang="en-US" dirty="0" err="1"/>
+              <a:t>Katoda</a:t>
+            </a:r>
+            <a:r>
+              <a:rPr lang="en-US" dirty="0"/>
+              <a:t> </a:t>
+            </a:r>
+            <a:r>
+              <a:rPr lang="en-US" dirty="0" err="1"/>
+              <a:t>oddajnika</a:t>
+            </a:r>
+            <a:r>
+              <a:rPr lang="en-US" dirty="0"/>
+              <a:t> je </a:t>
+            </a:r>
+            <a:r>
+              <a:rPr lang="en-US" dirty="0" err="1"/>
+              <a:t>vezana</a:t>
+            </a:r>
+            <a:r>
+              <a:rPr lang="en-US" dirty="0"/>
+              <a:t> </a:t>
+            </a:r>
+            <a:r>
+              <a:rPr lang="en-US" dirty="0" err="1"/>
+              <a:t>preko</a:t>
+            </a:r>
+            <a:r>
+              <a:rPr lang="en-US" dirty="0"/>
+              <a:t> </a:t>
+            </a:r>
+            <a:r>
+              <a:rPr lang="en-US" dirty="0" err="1"/>
+              <a:t>tranzistorja</a:t>
+            </a:r>
+            <a:r>
+              <a:rPr lang="en-US" dirty="0"/>
+              <a:t> </a:t>
+            </a:r>
+            <a:r>
+              <a:rPr lang="en-US" dirty="0" err="1"/>
+              <a:t>na</a:t>
+            </a:r>
+            <a:r>
+              <a:rPr lang="en-US" dirty="0"/>
+              <a:t> </a:t>
+            </a:r>
+            <a:r>
+              <a:rPr lang="en-US" dirty="0" err="1"/>
+              <a:t>maso</a:t>
+            </a:r>
+            <a:r>
+              <a:rPr lang="en-US" dirty="0"/>
+              <a:t>. </a:t>
+            </a:r>
+            <a:r>
+              <a:rPr lang="en-US" dirty="0" err="1"/>
+              <a:t>Tranzistor</a:t>
+            </a:r>
+            <a:r>
+              <a:rPr lang="en-US" dirty="0"/>
+              <a:t> </a:t>
+            </a:r>
+            <a:r>
+              <a:rPr lang="en-US" dirty="0" err="1"/>
+              <a:t>krmili</a:t>
+            </a:r>
+            <a:r>
+              <a:rPr lang="en-US" dirty="0"/>
+              <a:t> </a:t>
+            </a:r>
+            <a:r>
+              <a:rPr lang="en-US" dirty="0" err="1"/>
+              <a:t>poslani</a:t>
+            </a:r>
+            <a:r>
+              <a:rPr lang="en-US" dirty="0"/>
+              <a:t> signal TXD in s </a:t>
+            </a:r>
+            <a:r>
+              <a:rPr lang="en-US" dirty="0" err="1"/>
+              <a:t>tako</a:t>
+            </a:r>
+            <a:r>
+              <a:rPr lang="en-US" dirty="0"/>
+              <a:t> </a:t>
+            </a:r>
+            <a:r>
+              <a:rPr lang="en-US" dirty="0" err="1"/>
+              <a:t>vezavo</a:t>
+            </a:r>
+            <a:r>
+              <a:rPr lang="en-US" dirty="0"/>
+              <a:t> </a:t>
+            </a:r>
+            <a:r>
+              <a:rPr lang="en-US" dirty="0" err="1"/>
+              <a:t>dobimo</a:t>
+            </a:r>
+            <a:r>
+              <a:rPr lang="en-US" dirty="0"/>
+              <a:t> </a:t>
+            </a:r>
+            <a:r>
+              <a:rPr lang="en-US" dirty="0" err="1"/>
+              <a:t>pretvorbo</a:t>
+            </a:r>
+            <a:r>
+              <a:rPr lang="en-US" dirty="0"/>
+              <a:t> </a:t>
+            </a:r>
+            <a:r>
+              <a:rPr lang="en-US" dirty="0" err="1"/>
+              <a:t>električnega</a:t>
+            </a:r>
+            <a:r>
+              <a:rPr lang="en-US" dirty="0"/>
+              <a:t> </a:t>
+            </a:r>
+            <a:r>
+              <a:rPr lang="en-US" dirty="0" err="1"/>
+              <a:t>signala</a:t>
+            </a:r>
+            <a:r>
+              <a:rPr lang="en-US" dirty="0"/>
+              <a:t> v </a:t>
+            </a:r>
+            <a:r>
+              <a:rPr lang="en-US" dirty="0" err="1"/>
+              <a:t>svetlobnega</a:t>
+            </a:r>
+            <a:r>
+              <a:rPr lang="en-US" dirty="0"/>
+              <a:t>.</a:t>
+            </a:r>
+          </a:p>
+          <a:p>
+            <a:r>
+              <a:rPr lang="en-US" dirty="0"/>
+              <a:t>Kot </a:t>
+            </a:r>
+            <a:r>
+              <a:rPr lang="en-US" dirty="0" err="1"/>
+              <a:t>že</a:t>
+            </a:r>
+            <a:r>
+              <a:rPr lang="en-US" dirty="0"/>
+              <a:t> </a:t>
+            </a:r>
+            <a:r>
+              <a:rPr lang="en-US" dirty="0" err="1"/>
+              <a:t>prej</a:t>
+            </a:r>
+            <a:r>
+              <a:rPr lang="en-US" dirty="0"/>
+              <a:t> </a:t>
+            </a:r>
+            <a:r>
+              <a:rPr lang="en-US" dirty="0" err="1"/>
+              <a:t>omenjeno</a:t>
+            </a:r>
+            <a:r>
+              <a:rPr lang="en-US" dirty="0"/>
+              <a:t>, je </a:t>
+            </a:r>
+            <a:r>
+              <a:rPr lang="en-US" dirty="0" err="1"/>
+              <a:t>izhodni</a:t>
+            </a:r>
+            <a:r>
+              <a:rPr lang="en-US" dirty="0"/>
+              <a:t> signal </a:t>
+            </a:r>
+            <a:r>
+              <a:rPr lang="en-US" dirty="0" err="1"/>
+              <a:t>sprejemnika</a:t>
+            </a:r>
+            <a:r>
+              <a:rPr lang="en-US" dirty="0"/>
+              <a:t> Vo </a:t>
+            </a:r>
+            <a:r>
+              <a:rPr lang="en-US" dirty="0" err="1"/>
+              <a:t>preko</a:t>
+            </a:r>
+            <a:r>
+              <a:rPr lang="en-US" dirty="0"/>
+              <a:t> </a:t>
+            </a:r>
+            <a:r>
+              <a:rPr lang="en-US" dirty="0" err="1"/>
+              <a:t>upora</a:t>
+            </a:r>
+            <a:r>
+              <a:rPr lang="en-US" dirty="0"/>
+              <a:t> RL </a:t>
+            </a:r>
+            <a:r>
+              <a:rPr lang="en-US" dirty="0" err="1"/>
+              <a:t>povezan</a:t>
+            </a:r>
+            <a:r>
+              <a:rPr lang="en-US" dirty="0"/>
+              <a:t> </a:t>
+            </a:r>
+            <a:r>
+              <a:rPr lang="en-US" dirty="0" err="1"/>
+              <a:t>na</a:t>
+            </a:r>
+            <a:r>
+              <a:rPr lang="en-US" dirty="0"/>
+              <a:t> </a:t>
+            </a:r>
+            <a:r>
+              <a:rPr lang="en-US" dirty="0" err="1"/>
+              <a:t>naptost</a:t>
+            </a:r>
+            <a:r>
+              <a:rPr lang="en-US" dirty="0"/>
+              <a:t> </a:t>
+            </a:r>
+            <a:r>
+              <a:rPr lang="en-US" dirty="0" err="1"/>
+              <a:t>Vcc</a:t>
+            </a:r>
+            <a:r>
+              <a:rPr lang="en-US" dirty="0"/>
+              <a:t> in je </a:t>
+            </a:r>
+            <a:r>
+              <a:rPr lang="en-US" dirty="0" err="1"/>
+              <a:t>invertiran</a:t>
+            </a:r>
+            <a:r>
+              <a:rPr lang="en-US" dirty="0"/>
+              <a:t> </a:t>
+            </a:r>
+            <a:r>
+              <a:rPr lang="en-US" dirty="0" err="1"/>
+              <a:t>poslanemu</a:t>
+            </a:r>
+            <a:r>
+              <a:rPr lang="en-US" dirty="0"/>
+              <a:t>, </a:t>
+            </a:r>
+            <a:r>
+              <a:rPr lang="en-US" dirty="0" err="1"/>
+              <a:t>zato</a:t>
+            </a:r>
+            <a:r>
+              <a:rPr lang="en-US" dirty="0"/>
+              <a:t> ga </a:t>
+            </a:r>
+            <a:r>
+              <a:rPr lang="en-US" dirty="0" err="1"/>
+              <a:t>invertiramo</a:t>
+            </a:r>
+            <a:r>
+              <a:rPr lang="en-US" dirty="0"/>
+              <a:t> z </a:t>
+            </a:r>
+            <a:r>
+              <a:rPr lang="en-US" dirty="0" err="1"/>
+              <a:t>dodatnim</a:t>
+            </a:r>
+            <a:r>
+              <a:rPr lang="en-US" dirty="0"/>
+              <a:t> </a:t>
+            </a:r>
+            <a:r>
+              <a:rPr lang="en-US" dirty="0" err="1"/>
+              <a:t>inverterjem</a:t>
+            </a:r>
+            <a:r>
+              <a:rPr lang="en-US" dirty="0"/>
+              <a:t>. </a:t>
+            </a:r>
+            <a:r>
+              <a:rPr lang="en-US" dirty="0" err="1"/>
+              <a:t>Napetost</a:t>
+            </a:r>
+            <a:r>
+              <a:rPr lang="en-US" dirty="0"/>
+              <a:t> </a:t>
+            </a:r>
+            <a:r>
+              <a:rPr lang="en-US" dirty="0" err="1"/>
+              <a:t>izhodnega</a:t>
+            </a:r>
+            <a:r>
+              <a:rPr lang="en-US" dirty="0"/>
+              <a:t> </a:t>
+            </a:r>
+            <a:r>
+              <a:rPr lang="en-US" dirty="0" err="1"/>
+              <a:t>signala</a:t>
+            </a:r>
+            <a:r>
+              <a:rPr lang="en-US" dirty="0"/>
+              <a:t> je </a:t>
+            </a:r>
+            <a:r>
+              <a:rPr lang="en-US" dirty="0" err="1"/>
+              <a:t>tako</a:t>
+            </a:r>
+            <a:r>
+              <a:rPr lang="en-US" dirty="0"/>
+              <a:t> </a:t>
+            </a:r>
+            <a:r>
+              <a:rPr lang="en-US" dirty="0" err="1"/>
+              <a:t>pogojena</a:t>
+            </a:r>
+            <a:r>
+              <a:rPr lang="en-US" dirty="0"/>
+              <a:t> z </a:t>
+            </a:r>
+            <a:r>
+              <a:rPr lang="en-US" dirty="0" err="1"/>
+              <a:t>napajanjem</a:t>
+            </a:r>
+            <a:r>
+              <a:rPr lang="en-US" dirty="0"/>
+              <a:t> </a:t>
+            </a:r>
+            <a:r>
+              <a:rPr lang="en-US" dirty="0" err="1"/>
+              <a:t>iverterja</a:t>
+            </a:r>
+            <a:r>
+              <a:rPr lang="en-US" dirty="0"/>
+              <a:t>. To </a:t>
+            </a:r>
+            <a:r>
+              <a:rPr lang="en-US" dirty="0" err="1"/>
+              <a:t>lahko</a:t>
+            </a:r>
+            <a:r>
+              <a:rPr lang="en-US" dirty="0"/>
+              <a:t> </a:t>
+            </a:r>
+            <a:r>
+              <a:rPr lang="en-US" dirty="0" err="1"/>
+              <a:t>napajamo</a:t>
+            </a:r>
+            <a:r>
+              <a:rPr lang="en-US" dirty="0"/>
+              <a:t> </a:t>
+            </a:r>
+            <a:r>
+              <a:rPr lang="en-US" dirty="0" err="1"/>
+              <a:t>direktno</a:t>
+            </a:r>
+            <a:r>
+              <a:rPr lang="en-US" dirty="0"/>
+              <a:t> </a:t>
+            </a:r>
+            <a:r>
+              <a:rPr lang="en-US" dirty="0" err="1"/>
+              <a:t>če</a:t>
+            </a:r>
+            <a:r>
+              <a:rPr lang="en-US" dirty="0"/>
+              <a:t> </a:t>
+            </a:r>
+            <a:r>
+              <a:rPr lang="en-US" dirty="0" err="1"/>
+              <a:t>imamo</a:t>
+            </a:r>
+            <a:r>
+              <a:rPr lang="en-US" dirty="0"/>
+              <a:t> 5V </a:t>
+            </a:r>
+            <a:r>
+              <a:rPr lang="en-US" dirty="0" err="1"/>
+              <a:t>napajanje</a:t>
+            </a:r>
+            <a:r>
+              <a:rPr lang="en-US" dirty="0"/>
+              <a:t> </a:t>
+            </a:r>
+            <a:r>
+              <a:rPr lang="en-US" dirty="0" err="1"/>
+              <a:t>ali</a:t>
+            </a:r>
+            <a:r>
+              <a:rPr lang="en-US" dirty="0"/>
+              <a:t> pa </a:t>
+            </a:r>
+            <a:r>
+              <a:rPr lang="en-US" dirty="0" err="1"/>
+              <a:t>preko</a:t>
+            </a:r>
+            <a:r>
+              <a:rPr lang="en-US" dirty="0"/>
+              <a:t> </a:t>
+            </a:r>
+            <a:r>
+              <a:rPr lang="en-US" dirty="0" err="1"/>
+              <a:t>napetostnega</a:t>
+            </a:r>
+            <a:r>
+              <a:rPr lang="en-US" dirty="0"/>
+              <a:t> </a:t>
+            </a:r>
+            <a:r>
+              <a:rPr lang="en-US" dirty="0" err="1"/>
+              <a:t>regulatorja</a:t>
+            </a:r>
+            <a:r>
+              <a:rPr lang="en-US" dirty="0"/>
+              <a:t>, ki </a:t>
+            </a:r>
+            <a:r>
+              <a:rPr lang="en-US" dirty="0" err="1"/>
+              <a:t>zagotavlja</a:t>
+            </a:r>
+            <a:r>
+              <a:rPr lang="en-US" dirty="0"/>
+              <a:t> 3,3V. </a:t>
+            </a:r>
+            <a:r>
+              <a:rPr lang="en-US" dirty="0" err="1"/>
+              <a:t>Izbira</a:t>
+            </a:r>
+            <a:r>
+              <a:rPr lang="en-US" dirty="0"/>
+              <a:t> </a:t>
+            </a:r>
+            <a:r>
+              <a:rPr lang="en-US" dirty="0" err="1"/>
+              <a:t>preko</a:t>
+            </a:r>
+            <a:r>
+              <a:rPr lang="en-US" dirty="0"/>
+              <a:t> </a:t>
+            </a:r>
+            <a:r>
+              <a:rPr lang="en-US" dirty="0" err="1"/>
+              <a:t>mostička</a:t>
+            </a:r>
+            <a:r>
+              <a:rPr lang="en-US" dirty="0"/>
+              <a:t> JP2.</a:t>
+            </a:r>
+          </a:p>
+          <a:p>
+            <a:endParaRPr lang="en-US" dirty="0"/>
+          </a:p>
+          <a:p>
+            <a:endParaRPr lang="en-US" dirty="0"/>
+          </a:p>
+        </p:txBody>
+      </p:sp>
+      <p:sp>
+        <p:nvSpPr>
+          <p:cNvPr id="4" name="Slide Number Placeholder 3"/>
+          <p:cNvSpPr>
+            <a:spLocks noGrp="1"/>
+          </p:cNvSpPr>
+          <p:nvPr>
+            <p:ph type="sldNum" sz="quarter" idx="5"/>
+          </p:nvPr>
+        </p:nvSpPr>
+        <p:spPr/>
+        <p:txBody>
+          <a:bodyPr/>
+          <a:lstStyle/>
+          <a:p>
+            <a:fld id="{492D5F23-14B6-4549-8755-C6856C25756F}" type="slidenum">
+              <a:rPr lang="sl-SI" smtClean="0"/>
+              <a:t>4</a:t>
+            </a:fld>
+            <a:endParaRPr lang="sl-SI"/>
+          </a:p>
+        </p:txBody>
+      </p:sp>
+    </p:spTree>
+    <p:extLst>
+      <p:ext uri="{BB962C8B-B14F-4D97-AF65-F5344CB8AC3E}">
+        <p14:creationId xmlns:p14="http://schemas.microsoft.com/office/powerpoint/2010/main" val="318464314"/>
+      </p:ext>
+    </p:extLst>
+  </p:cSld>
+  <p:clrMapOvr>
+    <a:masterClrMapping/>
+  </p:clrMapOvr>
+</p:notes>
+</file>
+
+<file path=ppt/notesSlides/notesSlide5.xml><?xml version="1.0" encoding="utf-8"?>
+<p:notes xmlns:a="http://schemas.openxmlformats.org/drawingml/2006/main" xmlns:r="http://schemas.openxmlformats.org/officeDocument/2006/relationships" xmlns:p="http://schemas.openxmlformats.org/presentationml/2006/main">
+  <p:cSld>
+    <p:spTree>
+      <p:nvGrpSpPr>
+        <p:cNvPr id="1" name=""/>
+        <p:cNvGrpSpPr/>
+        <p:nvPr/>
+      </p:nvGrpSpPr>
+      <p:grpSpPr>
+        <a:xfrm>
+          <a:off x="0" y="0"/>
+          <a:ext cx="0" cy="0"/>
+          <a:chOff x="0" y="0"/>
+          <a:chExt cx="0" cy="0"/>
+        </a:xfrm>
+      </p:grpSpPr>
+      <p:sp>
+        <p:nvSpPr>
+          <p:cNvPr id="2" name="Slide Image Placeholder 1"/>
+          <p:cNvSpPr>
+            <a:spLocks noGrp="1" noRot="1" noChangeAspect="1"/>
+          </p:cNvSpPr>
+          <p:nvPr>
+            <p:ph type="sldImg"/>
+          </p:nvPr>
+        </p:nvSpPr>
+        <p:spPr/>
+      </p:sp>
+      <p:sp>
+        <p:nvSpPr>
+          <p:cNvPr id="3" name="Notes Placeholder 2"/>
+          <p:cNvSpPr>
+            <a:spLocks noGrp="1"/>
+          </p:cNvSpPr>
+          <p:nvPr>
+            <p:ph type="body" idx="1"/>
+          </p:nvPr>
+        </p:nvSpPr>
+        <p:spPr/>
+        <p:txBody>
+          <a:bodyPr/>
+          <a:lstStyle/>
+          <a:p>
+            <a:r>
+              <a:rPr lang="en-US" dirty="0"/>
+              <a:t>Na </a:t>
+            </a:r>
+            <a:r>
+              <a:rPr lang="en-US" dirty="0" err="1"/>
+              <a:t>sliki</a:t>
+            </a:r>
+            <a:r>
+              <a:rPr lang="en-US" dirty="0"/>
+              <a:t> je </a:t>
+            </a:r>
+            <a:r>
+              <a:rPr lang="en-US" dirty="0" err="1"/>
+              <a:t>končni</a:t>
+            </a:r>
+            <a:r>
+              <a:rPr lang="en-US" dirty="0"/>
+              <a:t> </a:t>
+            </a:r>
+            <a:r>
+              <a:rPr lang="en-US" dirty="0" err="1"/>
+              <a:t>izdelek</a:t>
+            </a:r>
+            <a:r>
+              <a:rPr lang="en-US" dirty="0"/>
+              <a:t>. </a:t>
+            </a:r>
+          </a:p>
+          <a:p>
+            <a:r>
+              <a:rPr lang="en-US" dirty="0"/>
+              <a:t>Pri </a:t>
+            </a:r>
+            <a:r>
+              <a:rPr lang="en-US" dirty="0" err="1"/>
+              <a:t>načrtovanju</a:t>
+            </a:r>
+            <a:r>
+              <a:rPr lang="en-US" dirty="0"/>
+              <a:t> </a:t>
+            </a:r>
+            <a:r>
+              <a:rPr lang="en-US" dirty="0" err="1"/>
+              <a:t>vezja</a:t>
+            </a:r>
+            <a:r>
+              <a:rPr lang="en-US" dirty="0"/>
+              <a:t> </a:t>
+            </a:r>
+            <a:r>
+              <a:rPr lang="en-US" dirty="0" err="1"/>
+              <a:t>najprej</a:t>
+            </a:r>
+            <a:r>
+              <a:rPr lang="en-US" dirty="0"/>
+              <a:t> </a:t>
+            </a:r>
+            <a:r>
+              <a:rPr lang="en-US" dirty="0" err="1"/>
+              <a:t>nisem</a:t>
+            </a:r>
+            <a:r>
+              <a:rPr lang="en-US" dirty="0"/>
+              <a:t> </a:t>
+            </a:r>
+            <a:r>
+              <a:rPr lang="en-US" dirty="0" err="1"/>
+              <a:t>upošteval</a:t>
+            </a:r>
+            <a:r>
+              <a:rPr lang="en-US" dirty="0"/>
+              <a:t>, da </a:t>
+            </a:r>
+            <a:r>
+              <a:rPr lang="en-US" dirty="0" err="1"/>
+              <a:t>bomo</a:t>
+            </a:r>
+            <a:r>
+              <a:rPr lang="en-US" dirty="0"/>
+              <a:t> </a:t>
+            </a:r>
+            <a:r>
+              <a:rPr lang="en-US" dirty="0" err="1"/>
+              <a:t>imeli</a:t>
+            </a:r>
+            <a:r>
+              <a:rPr lang="en-US" dirty="0"/>
+              <a:t> </a:t>
+            </a:r>
+            <a:r>
+              <a:rPr lang="en-US" dirty="0" err="1"/>
+              <a:t>samo</a:t>
+            </a:r>
+            <a:r>
+              <a:rPr lang="en-US" dirty="0"/>
+              <a:t> 1 </a:t>
+            </a:r>
+            <a:r>
+              <a:rPr lang="en-US" dirty="0" err="1"/>
+              <a:t>plast</a:t>
+            </a:r>
+            <a:r>
+              <a:rPr lang="en-US" dirty="0"/>
+              <a:t> bakra in </a:t>
+            </a:r>
+            <a:r>
+              <a:rPr lang="en-US" dirty="0" err="1"/>
+              <a:t>bo</a:t>
+            </a:r>
+            <a:r>
+              <a:rPr lang="en-US" dirty="0"/>
+              <a:t> </a:t>
+            </a:r>
+            <a:r>
+              <a:rPr lang="en-US" dirty="0" err="1"/>
+              <a:t>treba</a:t>
+            </a:r>
+            <a:r>
+              <a:rPr lang="en-US" dirty="0"/>
+              <a:t> </a:t>
+            </a:r>
+            <a:r>
+              <a:rPr lang="en-US" dirty="0" err="1"/>
+              <a:t>postaviti</a:t>
+            </a:r>
+            <a:r>
+              <a:rPr lang="en-US" dirty="0"/>
+              <a:t> THT </a:t>
+            </a:r>
+            <a:r>
+              <a:rPr lang="en-US" dirty="0" err="1"/>
+              <a:t>komponente</a:t>
+            </a:r>
+            <a:r>
+              <a:rPr lang="en-US" dirty="0"/>
+              <a:t> z </a:t>
+            </a:r>
+            <a:r>
+              <a:rPr lang="en-US" dirty="0" err="1"/>
+              <a:t>druge</a:t>
+            </a:r>
+            <a:r>
+              <a:rPr lang="en-US" dirty="0"/>
+              <a:t> strain. Moral </a:t>
+            </a:r>
+            <a:r>
+              <a:rPr lang="en-US" dirty="0" err="1"/>
+              <a:t>sem</a:t>
+            </a:r>
+            <a:r>
+              <a:rPr lang="en-US" dirty="0"/>
+              <a:t> </a:t>
+            </a:r>
+            <a:r>
+              <a:rPr lang="en-US" dirty="0" err="1"/>
+              <a:t>spremeniti</a:t>
+            </a:r>
+            <a:r>
+              <a:rPr lang="en-US" dirty="0"/>
+              <a:t> </a:t>
+            </a:r>
+            <a:r>
+              <a:rPr lang="en-US" dirty="0" err="1"/>
+              <a:t>povezave</a:t>
+            </a:r>
+            <a:r>
+              <a:rPr lang="en-US" dirty="0"/>
+              <a:t> </a:t>
+            </a:r>
+            <a:r>
+              <a:rPr lang="en-US" dirty="0" err="1"/>
+              <a:t>oddajnika</a:t>
+            </a:r>
+            <a:r>
+              <a:rPr lang="en-US" dirty="0"/>
+              <a:t> in </a:t>
+            </a:r>
+            <a:r>
+              <a:rPr lang="en-US" dirty="0" err="1"/>
+              <a:t>sprejemnika</a:t>
+            </a:r>
+            <a:r>
+              <a:rPr lang="en-US" dirty="0"/>
+              <a:t>, </a:t>
+            </a:r>
+            <a:r>
+              <a:rPr lang="en-US" dirty="0" err="1"/>
+              <a:t>ker</a:t>
+            </a:r>
+            <a:r>
+              <a:rPr lang="en-US" dirty="0"/>
+              <a:t> se </a:t>
+            </a:r>
+            <a:r>
+              <a:rPr lang="en-US" dirty="0" err="1"/>
+              <a:t>ju</a:t>
+            </a:r>
+            <a:r>
+              <a:rPr lang="en-US" dirty="0"/>
+              <a:t> </a:t>
+            </a:r>
+            <a:r>
+              <a:rPr lang="en-US" dirty="0" err="1"/>
+              <a:t>ni</a:t>
+            </a:r>
+            <a:r>
+              <a:rPr lang="en-US" dirty="0"/>
+              <a:t> dalo </a:t>
+            </a:r>
+            <a:r>
+              <a:rPr lang="en-US" dirty="0" err="1"/>
+              <a:t>zrcalno</a:t>
+            </a:r>
+            <a:r>
+              <a:rPr lang="en-US" dirty="0"/>
+              <a:t> </a:t>
+            </a:r>
+            <a:r>
+              <a:rPr lang="en-US" dirty="0" err="1"/>
+              <a:t>obrniti</a:t>
+            </a:r>
+            <a:r>
+              <a:rPr lang="en-US" dirty="0"/>
+              <a:t>.</a:t>
+            </a:r>
+            <a:br>
+              <a:rPr lang="en-US" dirty="0"/>
+            </a:br>
+            <a:r>
+              <a:rPr lang="en-US" dirty="0"/>
+              <a:t>Drug problem v </a:t>
+            </a:r>
+            <a:r>
+              <a:rPr lang="en-US" dirty="0" err="1"/>
+              <a:t>načrtovanju</a:t>
+            </a:r>
+            <a:r>
+              <a:rPr lang="en-US" dirty="0"/>
+              <a:t> </a:t>
+            </a:r>
+            <a:r>
+              <a:rPr lang="en-US" dirty="0" err="1"/>
+              <a:t>sem</a:t>
+            </a:r>
+            <a:r>
+              <a:rPr lang="en-US" dirty="0"/>
+              <a:t> </a:t>
+            </a:r>
+            <a:r>
+              <a:rPr lang="en-US" dirty="0" err="1"/>
+              <a:t>imel</a:t>
+            </a:r>
+            <a:r>
+              <a:rPr lang="en-US" dirty="0"/>
+              <a:t>, </a:t>
+            </a:r>
+            <a:r>
+              <a:rPr lang="en-US" dirty="0" err="1"/>
+              <a:t>ker</a:t>
+            </a:r>
+            <a:r>
+              <a:rPr lang="en-US" dirty="0"/>
+              <a:t> </a:t>
+            </a:r>
+            <a:r>
+              <a:rPr lang="en-US" dirty="0" err="1"/>
+              <a:t>sem</a:t>
+            </a:r>
+            <a:r>
+              <a:rPr lang="en-US" dirty="0"/>
+              <a:t> </a:t>
+            </a:r>
+            <a:r>
+              <a:rPr lang="en-US" dirty="0" err="1"/>
+              <a:t>pozabil</a:t>
+            </a:r>
+            <a:r>
+              <a:rPr lang="en-US" dirty="0"/>
+              <a:t> </a:t>
+            </a:r>
+            <a:r>
+              <a:rPr lang="en-US" dirty="0" err="1"/>
+              <a:t>povezati</a:t>
+            </a:r>
+            <a:r>
+              <a:rPr lang="en-US" dirty="0"/>
+              <a:t> </a:t>
+            </a:r>
+            <a:r>
+              <a:rPr lang="en-US" dirty="0" err="1"/>
+              <a:t>vse</a:t>
+            </a:r>
+            <a:r>
+              <a:rPr lang="en-US" dirty="0"/>
+              <a:t> </a:t>
+            </a:r>
+            <a:r>
+              <a:rPr lang="en-US" dirty="0" err="1"/>
+              <a:t>površine</a:t>
+            </a:r>
+            <a:r>
+              <a:rPr lang="en-US" dirty="0"/>
+              <a:t> mase, </a:t>
+            </a:r>
+            <a:r>
+              <a:rPr lang="en-US" dirty="0" err="1"/>
+              <a:t>torej</a:t>
+            </a:r>
+            <a:r>
+              <a:rPr lang="en-US" dirty="0"/>
+              <a:t> so </a:t>
+            </a:r>
+            <a:r>
+              <a:rPr lang="en-US" dirty="0" err="1"/>
+              <a:t>bila</a:t>
+            </a:r>
+            <a:r>
+              <a:rPr lang="en-US" dirty="0"/>
+              <a:t> 2 “</a:t>
+            </a:r>
+            <a:r>
+              <a:rPr lang="en-US" dirty="0" err="1"/>
+              <a:t>otočka</a:t>
+            </a:r>
+            <a:r>
+              <a:rPr lang="en-US" dirty="0"/>
+              <a:t>”, ki </a:t>
+            </a:r>
+            <a:r>
+              <a:rPr lang="en-US" dirty="0" err="1"/>
+              <a:t>sem</a:t>
+            </a:r>
+            <a:r>
+              <a:rPr lang="en-US" dirty="0"/>
+              <a:t> </a:t>
+            </a:r>
+            <a:r>
+              <a:rPr lang="en-US" dirty="0" err="1"/>
+              <a:t>jih</a:t>
+            </a:r>
+            <a:r>
+              <a:rPr lang="en-US" dirty="0"/>
+              <a:t> z </a:t>
+            </a:r>
+            <a:r>
+              <a:rPr lang="en-US" dirty="0" err="1"/>
+              <a:t>delčkom</a:t>
+            </a:r>
+            <a:r>
+              <a:rPr lang="en-US" dirty="0"/>
+              <a:t> </a:t>
+            </a:r>
+            <a:r>
+              <a:rPr lang="en-US" dirty="0" err="1"/>
+              <a:t>žice</a:t>
+            </a:r>
+            <a:r>
+              <a:rPr lang="en-US" dirty="0"/>
+              <a:t> </a:t>
+            </a:r>
+            <a:r>
+              <a:rPr lang="en-US" dirty="0" err="1"/>
+              <a:t>povezal</a:t>
+            </a:r>
+            <a:r>
+              <a:rPr lang="en-US" dirty="0"/>
+              <a:t> z </a:t>
+            </a:r>
+            <a:r>
+              <a:rPr lang="en-US" dirty="0" err="1"/>
+              <a:t>ostalo</a:t>
+            </a:r>
+            <a:r>
+              <a:rPr lang="en-US" dirty="0"/>
+              <a:t> </a:t>
+            </a:r>
+            <a:r>
+              <a:rPr lang="en-US" dirty="0" err="1"/>
+              <a:t>plastjo</a:t>
+            </a:r>
+            <a:r>
+              <a:rPr lang="en-US" dirty="0"/>
+              <a:t> mase.</a:t>
+            </a:r>
+            <a:endParaRPr lang="en-SI" dirty="0"/>
+          </a:p>
+        </p:txBody>
+      </p:sp>
+      <p:sp>
+        <p:nvSpPr>
+          <p:cNvPr id="4" name="Slide Number Placeholder 3"/>
+          <p:cNvSpPr>
+            <a:spLocks noGrp="1"/>
+          </p:cNvSpPr>
+          <p:nvPr>
+            <p:ph type="sldNum" sz="quarter" idx="5"/>
+          </p:nvPr>
+        </p:nvSpPr>
+        <p:spPr/>
+        <p:txBody>
+          <a:bodyPr/>
+          <a:lstStyle/>
+          <a:p>
+            <a:fld id="{492D5F23-14B6-4549-8755-C6856C25756F}" type="slidenum">
+              <a:rPr lang="sl-SI" smtClean="0"/>
+              <a:t>5</a:t>
+            </a:fld>
+            <a:endParaRPr lang="sl-SI"/>
+          </a:p>
+        </p:txBody>
+      </p:sp>
+    </p:spTree>
+    <p:extLst>
+      <p:ext uri="{BB962C8B-B14F-4D97-AF65-F5344CB8AC3E}">
+        <p14:creationId xmlns:p14="http://schemas.microsoft.com/office/powerpoint/2010/main" val="3846022218"/>
+      </p:ext>
+    </p:extLst>
+  </p:cSld>
+  <p:clrMapOvr>
+    <a:masterClrMapping/>
+  </p:clrMapOvr>
+</p:notes>
+</file>
+
+<file path=ppt/notesSlides/notesSlide6.xml><?xml version="1.0" encoding="utf-8"?>
+<p:notes xmlns:a="http://schemas.openxmlformats.org/drawingml/2006/main" xmlns:r="http://schemas.openxmlformats.org/officeDocument/2006/relationships" xmlns:p="http://schemas.openxmlformats.org/presentationml/2006/main">
+  <p:cSld>
+    <p:spTree>
+      <p:nvGrpSpPr>
+        <p:cNvPr id="1" name=""/>
+        <p:cNvGrpSpPr/>
+        <p:nvPr/>
+      </p:nvGrpSpPr>
+      <p:grpSpPr>
+        <a:xfrm>
+          <a:off x="0" y="0"/>
+          <a:ext cx="0" cy="0"/>
+          <a:chOff x="0" y="0"/>
+          <a:chExt cx="0" cy="0"/>
+        </a:xfrm>
+      </p:grpSpPr>
+      <p:sp>
+        <p:nvSpPr>
+          <p:cNvPr id="2" name="Slide Image Placeholder 1"/>
+          <p:cNvSpPr>
+            <a:spLocks noGrp="1" noRot="1" noChangeAspect="1"/>
+          </p:cNvSpPr>
+          <p:nvPr>
+            <p:ph type="sldImg"/>
+          </p:nvPr>
+        </p:nvSpPr>
+        <p:spPr/>
+      </p:sp>
+      <p:sp>
+        <p:nvSpPr>
+          <p:cNvPr id="3" name="Notes Placeholder 2"/>
+          <p:cNvSpPr>
+            <a:spLocks noGrp="1"/>
+          </p:cNvSpPr>
+          <p:nvPr>
+            <p:ph type="body" idx="1"/>
+          </p:nvPr>
+        </p:nvSpPr>
+        <p:spPr/>
+        <p:txBody>
+          <a:bodyPr/>
+          <a:lstStyle/>
+          <a:p>
+            <a:r>
+              <a:rPr lang="en-US" dirty="0" err="1"/>
+              <a:t>Vezji</a:t>
+            </a:r>
+            <a:r>
+              <a:rPr lang="en-US" dirty="0"/>
+              <a:t> </a:t>
+            </a:r>
+            <a:r>
+              <a:rPr lang="en-US" dirty="0" err="1"/>
+              <a:t>sem</a:t>
+            </a:r>
+            <a:r>
+              <a:rPr lang="en-US" dirty="0"/>
+              <a:t> </a:t>
+            </a:r>
+            <a:r>
+              <a:rPr lang="en-US" dirty="0" err="1"/>
+              <a:t>najprej</a:t>
+            </a:r>
+            <a:r>
+              <a:rPr lang="en-US" dirty="0"/>
+              <a:t> </a:t>
+            </a:r>
+            <a:r>
+              <a:rPr lang="en-US" dirty="0" err="1"/>
+              <a:t>testiral</a:t>
+            </a:r>
+            <a:r>
+              <a:rPr lang="en-US" dirty="0"/>
+              <a:t> s </a:t>
+            </a:r>
+            <a:r>
+              <a:rPr lang="en-US" dirty="0" err="1"/>
+              <a:t>funkcijskim</a:t>
+            </a:r>
+            <a:r>
+              <a:rPr lang="en-US" dirty="0"/>
+              <a:t> </a:t>
+            </a:r>
+            <a:r>
+              <a:rPr lang="en-US" dirty="0" err="1"/>
+              <a:t>generatorjem</a:t>
+            </a:r>
+            <a:r>
+              <a:rPr lang="en-US" dirty="0"/>
+              <a:t>. </a:t>
+            </a:r>
+            <a:r>
+              <a:rPr lang="en-US" dirty="0" err="1"/>
+              <a:t>Slika</a:t>
+            </a:r>
+            <a:r>
+              <a:rPr lang="en-US" dirty="0"/>
+              <a:t> </a:t>
+            </a:r>
+            <a:r>
+              <a:rPr lang="en-US" dirty="0" err="1"/>
+              <a:t>kaže</a:t>
+            </a:r>
+            <a:r>
+              <a:rPr lang="en-US" dirty="0"/>
+              <a:t> </a:t>
+            </a:r>
+            <a:r>
+              <a:rPr lang="en-US" dirty="0" err="1"/>
+              <a:t>poslan</a:t>
+            </a:r>
+            <a:r>
+              <a:rPr lang="en-US" dirty="0"/>
+              <a:t> in </a:t>
+            </a:r>
+            <a:r>
+              <a:rPr lang="en-US" dirty="0" err="1"/>
+              <a:t>sprejet</a:t>
+            </a:r>
+            <a:r>
+              <a:rPr lang="en-US" dirty="0"/>
+              <a:t> </a:t>
+            </a:r>
+            <a:r>
+              <a:rPr lang="en-US" dirty="0" err="1"/>
+              <a:t>kvadraten</a:t>
+            </a:r>
+            <a:r>
+              <a:rPr lang="en-US" dirty="0"/>
+              <a:t> signal </a:t>
+            </a:r>
+            <a:r>
+              <a:rPr lang="en-US" dirty="0" err="1"/>
+              <a:t>frekvence</a:t>
+            </a:r>
+            <a:r>
+              <a:rPr lang="en-US" dirty="0"/>
+              <a:t> 100kHz. Moder signal je </a:t>
+            </a:r>
+            <a:r>
+              <a:rPr lang="en-US" dirty="0" err="1"/>
+              <a:t>poslan</a:t>
+            </a:r>
+            <a:r>
+              <a:rPr lang="en-US" dirty="0"/>
+              <a:t>, </a:t>
+            </a:r>
+            <a:r>
+              <a:rPr lang="en-US" dirty="0" err="1"/>
+              <a:t>črn</a:t>
+            </a:r>
+            <a:r>
+              <a:rPr lang="en-US" dirty="0"/>
+              <a:t> pa </a:t>
+            </a:r>
+            <a:r>
+              <a:rPr lang="en-US" dirty="0" err="1"/>
+              <a:t>sprejet</a:t>
+            </a:r>
+            <a:r>
+              <a:rPr lang="en-US" dirty="0"/>
+              <a:t>.</a:t>
+            </a:r>
+            <a:endParaRPr lang="en-SI" dirty="0"/>
+          </a:p>
+        </p:txBody>
+      </p:sp>
+      <p:sp>
+        <p:nvSpPr>
+          <p:cNvPr id="4" name="Slide Number Placeholder 3"/>
+          <p:cNvSpPr>
+            <a:spLocks noGrp="1"/>
+          </p:cNvSpPr>
+          <p:nvPr>
+            <p:ph type="sldNum" sz="quarter" idx="5"/>
+          </p:nvPr>
+        </p:nvSpPr>
+        <p:spPr/>
+        <p:txBody>
+          <a:bodyPr/>
+          <a:lstStyle/>
+          <a:p>
+            <a:fld id="{492D5F23-14B6-4549-8755-C6856C25756F}" type="slidenum">
+              <a:rPr lang="sl-SI" smtClean="0"/>
+              <a:t>6</a:t>
+            </a:fld>
+            <a:endParaRPr lang="sl-SI"/>
+          </a:p>
+        </p:txBody>
+      </p:sp>
+    </p:spTree>
+    <p:extLst>
+      <p:ext uri="{BB962C8B-B14F-4D97-AF65-F5344CB8AC3E}">
+        <p14:creationId xmlns:p14="http://schemas.microsoft.com/office/powerpoint/2010/main" val="4021057225"/>
+      </p:ext>
+    </p:extLst>
+  </p:cSld>
+  <p:clrMapOvr>
+    <a:masterClrMapping/>
+  </p:clrMapOvr>
+</p:notes>
+</file>
+
+<file path=ppt/notesSlides/notesSlide7.xml><?xml version="1.0" encoding="utf-8"?>
+<p:notes xmlns:a="http://schemas.openxmlformats.org/drawingml/2006/main" xmlns:r="http://schemas.openxmlformats.org/officeDocument/2006/relationships" xmlns:p="http://schemas.openxmlformats.org/presentationml/2006/main">
+  <p:cSld>
+    <p:spTree>
+      <p:nvGrpSpPr>
+        <p:cNvPr id="1" name=""/>
+        <p:cNvGrpSpPr/>
+        <p:nvPr/>
+      </p:nvGrpSpPr>
+      <p:grpSpPr>
+        <a:xfrm>
+          <a:off x="0" y="0"/>
+          <a:ext cx="0" cy="0"/>
+          <a:chOff x="0" y="0"/>
+          <a:chExt cx="0" cy="0"/>
+        </a:xfrm>
+      </p:grpSpPr>
+      <p:sp>
+        <p:nvSpPr>
+          <p:cNvPr id="2" name="Slide Image Placeholder 1"/>
+          <p:cNvSpPr>
+            <a:spLocks noGrp="1" noRot="1" noChangeAspect="1"/>
+          </p:cNvSpPr>
+          <p:nvPr>
+            <p:ph type="sldImg"/>
+          </p:nvPr>
+        </p:nvSpPr>
+        <p:spPr/>
+      </p:sp>
+      <p:sp>
+        <p:nvSpPr>
+          <p:cNvPr id="3" name="Notes Placeholder 2"/>
+          <p:cNvSpPr>
+            <a:spLocks noGrp="1"/>
+          </p:cNvSpPr>
+          <p:nvPr>
+            <p:ph type="body" idx="1"/>
+          </p:nvPr>
+        </p:nvSpPr>
+        <p:spPr/>
+        <p:txBody>
+          <a:bodyPr/>
+          <a:lstStyle/>
+          <a:p>
+            <a:r>
+              <a:rPr lang="en-US" dirty="0"/>
+              <a:t>Z </a:t>
+            </a:r>
+            <a:r>
+              <a:rPr lang="en-US" dirty="0" err="1"/>
+              <a:t>višanjem</a:t>
+            </a:r>
+            <a:r>
+              <a:rPr lang="en-US" dirty="0"/>
+              <a:t> </a:t>
+            </a:r>
+            <a:r>
+              <a:rPr lang="en-US" dirty="0" err="1"/>
+              <a:t>frekvence</a:t>
+            </a:r>
+            <a:r>
+              <a:rPr lang="en-US" dirty="0"/>
+              <a:t> </a:t>
+            </a:r>
+            <a:r>
+              <a:rPr lang="en-US" dirty="0" err="1"/>
+              <a:t>na</a:t>
+            </a:r>
+            <a:r>
+              <a:rPr lang="en-US" dirty="0"/>
+              <a:t> FG, </a:t>
+            </a:r>
+            <a:r>
+              <a:rPr lang="en-US" dirty="0" err="1"/>
+              <a:t>sem</a:t>
+            </a:r>
+            <a:r>
+              <a:rPr lang="en-US" dirty="0"/>
+              <a:t> </a:t>
+            </a:r>
+            <a:r>
+              <a:rPr lang="en-US" dirty="0" err="1"/>
+              <a:t>imel</a:t>
+            </a:r>
+            <a:r>
+              <a:rPr lang="en-US" dirty="0"/>
+              <a:t> </a:t>
+            </a:r>
+            <a:r>
+              <a:rPr lang="en-US" dirty="0" err="1"/>
+              <a:t>vedno</a:t>
+            </a:r>
+            <a:r>
+              <a:rPr lang="en-US" dirty="0"/>
+              <a:t> </a:t>
+            </a:r>
+            <a:r>
+              <a:rPr lang="en-US" dirty="0" err="1"/>
+              <a:t>slabši</a:t>
+            </a:r>
+            <a:r>
+              <a:rPr lang="en-US" dirty="0"/>
+              <a:t> </a:t>
+            </a:r>
+            <a:r>
+              <a:rPr lang="en-US" dirty="0" err="1"/>
+              <a:t>poslan</a:t>
+            </a:r>
+            <a:r>
+              <a:rPr lang="en-US" dirty="0"/>
+              <a:t> </a:t>
+            </a:r>
+            <a:r>
+              <a:rPr lang="en-US" dirty="0" err="1"/>
+              <a:t>kvadratni</a:t>
+            </a:r>
+            <a:r>
+              <a:rPr lang="en-US" dirty="0"/>
+              <a:t> signal. Ta </a:t>
+            </a:r>
+            <a:r>
+              <a:rPr lang="en-US" dirty="0" err="1"/>
+              <a:t>slika</a:t>
+            </a:r>
+            <a:r>
+              <a:rPr lang="en-US" dirty="0"/>
+              <a:t> </a:t>
+            </a:r>
+            <a:r>
+              <a:rPr lang="en-US" dirty="0" err="1"/>
+              <a:t>prikazuje</a:t>
+            </a:r>
+            <a:r>
+              <a:rPr lang="en-US" dirty="0"/>
+              <a:t> </a:t>
+            </a:r>
+            <a:r>
+              <a:rPr lang="en-US" dirty="0" err="1"/>
+              <a:t>signale</a:t>
+            </a:r>
+            <a:r>
+              <a:rPr lang="en-US" dirty="0"/>
+              <a:t> </a:t>
+            </a:r>
+            <a:r>
+              <a:rPr lang="en-US" dirty="0" err="1"/>
+              <a:t>pri</a:t>
+            </a:r>
+            <a:r>
+              <a:rPr lang="en-US" dirty="0"/>
+              <a:t> 1MHz.</a:t>
+            </a:r>
+            <a:endParaRPr lang="en-SI" dirty="0"/>
+          </a:p>
+        </p:txBody>
+      </p:sp>
+      <p:sp>
+        <p:nvSpPr>
+          <p:cNvPr id="4" name="Slide Number Placeholder 3"/>
+          <p:cNvSpPr>
+            <a:spLocks noGrp="1"/>
+          </p:cNvSpPr>
+          <p:nvPr>
+            <p:ph type="sldNum" sz="quarter" idx="5"/>
+          </p:nvPr>
+        </p:nvSpPr>
+        <p:spPr/>
+        <p:txBody>
+          <a:bodyPr/>
+          <a:lstStyle/>
+          <a:p>
+            <a:fld id="{492D5F23-14B6-4549-8755-C6856C25756F}" type="slidenum">
+              <a:rPr lang="sl-SI" smtClean="0"/>
+              <a:t>7</a:t>
+            </a:fld>
+            <a:endParaRPr lang="sl-SI"/>
+          </a:p>
+        </p:txBody>
+      </p:sp>
+    </p:spTree>
+    <p:extLst>
+      <p:ext uri="{BB962C8B-B14F-4D97-AF65-F5344CB8AC3E}">
+        <p14:creationId xmlns:p14="http://schemas.microsoft.com/office/powerpoint/2010/main" val="2442403310"/>
+      </p:ext>
+    </p:extLst>
+  </p:cSld>
+  <p:clrMapOvr>
+    <a:masterClrMapping/>
+  </p:clrMapOvr>
+</p:notes>
+</file>
+
+<file path=ppt/notesSlides/notesSlide8.xml><?xml version="1.0" encoding="utf-8"?>
+<p:notes xmlns:a="http://schemas.openxmlformats.org/drawingml/2006/main" xmlns:r="http://schemas.openxmlformats.org/officeDocument/2006/relationships" xmlns:p="http://schemas.openxmlformats.org/presentationml/2006/main">
+  <p:cSld>
+    <p:spTree>
+      <p:nvGrpSpPr>
+        <p:cNvPr id="1" name=""/>
+        <p:cNvGrpSpPr/>
+        <p:nvPr/>
+      </p:nvGrpSpPr>
+      <p:grpSpPr>
+        <a:xfrm>
+          <a:off x="0" y="0"/>
+          <a:ext cx="0" cy="0"/>
+          <a:chOff x="0" y="0"/>
+          <a:chExt cx="0" cy="0"/>
+        </a:xfrm>
+      </p:grpSpPr>
+      <p:sp>
+        <p:nvSpPr>
+          <p:cNvPr id="2" name="Slide Image Placeholder 1"/>
+          <p:cNvSpPr>
+            <a:spLocks noGrp="1" noRot="1" noChangeAspect="1"/>
+          </p:cNvSpPr>
+          <p:nvPr>
+            <p:ph type="sldImg"/>
+          </p:nvPr>
+        </p:nvSpPr>
+        <p:spPr/>
+      </p:sp>
+      <p:sp>
+        <p:nvSpPr>
+          <p:cNvPr id="3" name="Notes Placeholder 2"/>
+          <p:cNvSpPr>
+            <a:spLocks noGrp="1"/>
+          </p:cNvSpPr>
+          <p:nvPr>
+            <p:ph type="body" idx="1"/>
+          </p:nvPr>
+        </p:nvSpPr>
+        <p:spPr/>
+        <p:txBody>
+          <a:bodyPr/>
+          <a:lstStyle/>
+          <a:p>
+            <a:r>
+              <a:rPr lang="en-US" dirty="0"/>
+              <a:t>V </a:t>
+            </a:r>
+            <a:r>
+              <a:rPr lang="en-US" dirty="0" err="1"/>
+              <a:t>nadaljevanju</a:t>
+            </a:r>
+            <a:r>
+              <a:rPr lang="en-US" dirty="0"/>
+              <a:t> </a:t>
+            </a:r>
+            <a:r>
+              <a:rPr lang="en-US" dirty="0" err="1"/>
+              <a:t>sem</a:t>
+            </a:r>
+            <a:r>
+              <a:rPr lang="en-US" dirty="0"/>
+              <a:t> </a:t>
+            </a:r>
+            <a:r>
+              <a:rPr lang="en-US" dirty="0" err="1"/>
+              <a:t>vezji</a:t>
+            </a:r>
+            <a:r>
+              <a:rPr lang="en-US" dirty="0"/>
+              <a:t> </a:t>
+            </a:r>
+            <a:r>
+              <a:rPr lang="en-US" dirty="0" err="1"/>
+              <a:t>testiral</a:t>
+            </a:r>
+            <a:r>
+              <a:rPr lang="en-US" dirty="0"/>
+              <a:t> </a:t>
+            </a:r>
+            <a:r>
+              <a:rPr lang="en-US" dirty="0" err="1"/>
+              <a:t>še</a:t>
+            </a:r>
+            <a:r>
+              <a:rPr lang="en-US" dirty="0"/>
+              <a:t> z </a:t>
+            </a:r>
+            <a:r>
+              <a:rPr lang="en-US" dirty="0" err="1"/>
+              <a:t>računalnikom</a:t>
+            </a:r>
+            <a:r>
+              <a:rPr lang="en-US" dirty="0"/>
+              <a:t>. S </a:t>
+            </a:r>
+            <a:r>
+              <a:rPr lang="en-US" dirty="0" err="1"/>
+              <a:t>programom</a:t>
+            </a:r>
+            <a:r>
+              <a:rPr lang="en-US" dirty="0"/>
+              <a:t> </a:t>
+            </a:r>
+            <a:r>
+              <a:rPr lang="en-US" dirty="0" err="1"/>
+              <a:t>Br@y</a:t>
+            </a:r>
+            <a:r>
+              <a:rPr lang="en-US" dirty="0"/>
+              <a:t> terminal </a:t>
+            </a:r>
+            <a:r>
+              <a:rPr lang="en-US" dirty="0" err="1"/>
+              <a:t>sem</a:t>
+            </a:r>
+            <a:r>
+              <a:rPr lang="en-US" dirty="0"/>
+              <a:t> </a:t>
+            </a:r>
+            <a:r>
+              <a:rPr lang="en-US" dirty="0" err="1"/>
+              <a:t>preko</a:t>
+            </a:r>
+            <a:r>
+              <a:rPr lang="en-US" dirty="0"/>
+              <a:t> </a:t>
+            </a:r>
+            <a:r>
+              <a:rPr lang="en-US" dirty="0" err="1"/>
+              <a:t>vmesnika</a:t>
+            </a:r>
+            <a:r>
+              <a:rPr lang="en-US" dirty="0"/>
+              <a:t> </a:t>
+            </a:r>
+            <a:r>
+              <a:rPr lang="en-US" dirty="0" err="1"/>
+              <a:t>pošiljal</a:t>
+            </a:r>
+            <a:r>
+              <a:rPr lang="en-US" dirty="0"/>
+              <a:t> </a:t>
+            </a:r>
+            <a:r>
+              <a:rPr lang="en-US" dirty="0" err="1"/>
+              <a:t>različne</a:t>
+            </a:r>
+            <a:r>
+              <a:rPr lang="en-US" dirty="0"/>
+              <a:t> ASCII </a:t>
+            </a:r>
+            <a:r>
+              <a:rPr lang="en-US" dirty="0" err="1"/>
+              <a:t>znake</a:t>
+            </a:r>
+            <a:r>
+              <a:rPr lang="en-US" dirty="0"/>
+              <a:t> in </a:t>
+            </a:r>
+            <a:r>
+              <a:rPr lang="en-US" dirty="0" err="1"/>
+              <a:t>gledal</a:t>
+            </a:r>
+            <a:r>
+              <a:rPr lang="en-US" dirty="0"/>
+              <a:t> </a:t>
+            </a:r>
+            <a:r>
+              <a:rPr lang="en-US" dirty="0" err="1"/>
+              <a:t>če</a:t>
+            </a:r>
+            <a:r>
+              <a:rPr lang="en-US" dirty="0"/>
+              <a:t> so </a:t>
+            </a:r>
+            <a:r>
+              <a:rPr lang="en-US" dirty="0" err="1"/>
+              <a:t>prejeti</a:t>
+            </a:r>
+            <a:r>
+              <a:rPr lang="en-US" dirty="0"/>
+              <a:t> </a:t>
+            </a:r>
+            <a:r>
+              <a:rPr lang="en-US" dirty="0" err="1"/>
+              <a:t>isti</a:t>
+            </a:r>
+            <a:r>
+              <a:rPr lang="en-US" dirty="0"/>
+              <a:t>.</a:t>
+            </a:r>
+            <a:br>
+              <a:rPr lang="en-US" dirty="0"/>
+            </a:br>
+            <a:r>
+              <a:rPr lang="en-US" dirty="0" err="1"/>
+              <a:t>Slika</a:t>
+            </a:r>
+            <a:r>
+              <a:rPr lang="en-US" dirty="0"/>
+              <a:t> </a:t>
+            </a:r>
+            <a:r>
+              <a:rPr lang="en-US" dirty="0" err="1"/>
+              <a:t>kaže</a:t>
+            </a:r>
+            <a:r>
+              <a:rPr lang="en-US" dirty="0"/>
+              <a:t> </a:t>
+            </a:r>
+            <a:r>
+              <a:rPr lang="en-US" dirty="0" err="1"/>
+              <a:t>poslan</a:t>
+            </a:r>
+            <a:r>
+              <a:rPr lang="en-US" dirty="0"/>
+              <a:t> in </a:t>
+            </a:r>
+            <a:r>
+              <a:rPr lang="en-US" dirty="0" err="1"/>
+              <a:t>prejet</a:t>
+            </a:r>
+            <a:r>
+              <a:rPr lang="en-US" dirty="0"/>
+              <a:t> signal </a:t>
+            </a:r>
+            <a:r>
+              <a:rPr lang="en-US" dirty="0" err="1"/>
+              <a:t>pri</a:t>
+            </a:r>
+            <a:r>
+              <a:rPr lang="en-US" dirty="0"/>
+              <a:t> baud rat 9600.</a:t>
+            </a:r>
+            <a:endParaRPr lang="en-SI" dirty="0"/>
+          </a:p>
+        </p:txBody>
+      </p:sp>
+      <p:sp>
+        <p:nvSpPr>
+          <p:cNvPr id="4" name="Slide Number Placeholder 3"/>
+          <p:cNvSpPr>
+            <a:spLocks noGrp="1"/>
+          </p:cNvSpPr>
+          <p:nvPr>
+            <p:ph type="sldNum" sz="quarter" idx="5"/>
+          </p:nvPr>
+        </p:nvSpPr>
+        <p:spPr/>
+        <p:txBody>
+          <a:bodyPr/>
+          <a:lstStyle/>
+          <a:p>
+            <a:fld id="{492D5F23-14B6-4549-8755-C6856C25756F}" type="slidenum">
+              <a:rPr lang="sl-SI" smtClean="0"/>
+              <a:t>8</a:t>
+            </a:fld>
+            <a:endParaRPr lang="sl-SI"/>
+          </a:p>
+        </p:txBody>
+      </p:sp>
+    </p:spTree>
+    <p:extLst>
+      <p:ext uri="{BB962C8B-B14F-4D97-AF65-F5344CB8AC3E}">
+        <p14:creationId xmlns:p14="http://schemas.microsoft.com/office/powerpoint/2010/main" val="1042066390"/>
+      </p:ext>
+    </p:extLst>
+  </p:cSld>
+  <p:clrMapOvr>
+    <a:masterClrMapping/>
+  </p:clrMapOvr>
+</p:notes>
+</file>
+
+<file path=ppt/notesSlides/notesSlide9.xml><?xml version="1.0" encoding="utf-8"?>
+<p:notes xmlns:a="http://schemas.openxmlformats.org/drawingml/2006/main" xmlns:r="http://schemas.openxmlformats.org/officeDocument/2006/relationships" xmlns:p="http://schemas.openxmlformats.org/presentationml/2006/main">
+  <p:cSld>
+    <p:spTree>
+      <p:nvGrpSpPr>
+        <p:cNvPr id="1" name=""/>
+        <p:cNvGrpSpPr/>
+        <p:nvPr/>
+      </p:nvGrpSpPr>
+      <p:grpSpPr>
+        <a:xfrm>
+          <a:off x="0" y="0"/>
+          <a:ext cx="0" cy="0"/>
+          <a:chOff x="0" y="0"/>
+          <a:chExt cx="0" cy="0"/>
+        </a:xfrm>
+      </p:grpSpPr>
+      <p:sp>
+        <p:nvSpPr>
+          <p:cNvPr id="2" name="Slide Image Placeholder 1"/>
+          <p:cNvSpPr>
+            <a:spLocks noGrp="1" noRot="1" noChangeAspect="1"/>
+          </p:cNvSpPr>
+          <p:nvPr>
+            <p:ph type="sldImg"/>
+          </p:nvPr>
+        </p:nvSpPr>
+        <p:spPr/>
+      </p:sp>
+      <p:sp>
+        <p:nvSpPr>
+          <p:cNvPr id="3" name="Notes Placeholder 2"/>
+          <p:cNvSpPr>
+            <a:spLocks noGrp="1"/>
+          </p:cNvSpPr>
+          <p:nvPr>
+            <p:ph type="body" idx="1"/>
+          </p:nvPr>
+        </p:nvSpPr>
+        <p:spPr/>
+        <p:txBody>
+          <a:bodyPr/>
+          <a:lstStyle/>
+          <a:p>
+            <a:r>
+              <a:rPr lang="en-US" dirty="0"/>
+              <a:t>Tudi v </a:t>
+            </a:r>
+            <a:r>
+              <a:rPr lang="en-US" dirty="0" err="1"/>
+              <a:t>tem</a:t>
+            </a:r>
+            <a:r>
+              <a:rPr lang="en-US" dirty="0"/>
+              <a:t> </a:t>
+            </a:r>
+            <a:r>
+              <a:rPr lang="en-US" dirty="0" err="1"/>
+              <a:t>primeru</a:t>
+            </a:r>
+            <a:r>
+              <a:rPr lang="en-US" dirty="0"/>
+              <a:t> se </a:t>
+            </a:r>
+            <a:r>
+              <a:rPr lang="en-US" dirty="0" err="1"/>
+              <a:t>oblika</a:t>
+            </a:r>
+            <a:r>
+              <a:rPr lang="en-US" dirty="0"/>
+              <a:t> </a:t>
+            </a:r>
+            <a:r>
+              <a:rPr lang="en-US" dirty="0" err="1"/>
+              <a:t>poslanega</a:t>
+            </a:r>
+            <a:r>
+              <a:rPr lang="en-US" dirty="0"/>
+              <a:t> </a:t>
+            </a:r>
+            <a:r>
+              <a:rPr lang="en-US" dirty="0" err="1"/>
+              <a:t>signala</a:t>
+            </a:r>
+            <a:r>
+              <a:rPr lang="en-US" dirty="0"/>
+              <a:t> </a:t>
+            </a:r>
+            <a:r>
+              <a:rPr lang="en-US" dirty="0" err="1"/>
+              <a:t>slabša</a:t>
+            </a:r>
+            <a:r>
+              <a:rPr lang="en-US" dirty="0"/>
+              <a:t> z </a:t>
+            </a:r>
+            <a:r>
+              <a:rPr lang="en-US" dirty="0" err="1"/>
+              <a:t>večanjem</a:t>
+            </a:r>
+            <a:r>
+              <a:rPr lang="en-US" dirty="0"/>
+              <a:t> </a:t>
+            </a:r>
+            <a:r>
+              <a:rPr lang="en-US" dirty="0" err="1"/>
+              <a:t>frekvence</a:t>
+            </a:r>
+            <a:r>
+              <a:rPr lang="en-US" dirty="0"/>
+              <a:t> </a:t>
+            </a:r>
+            <a:r>
+              <a:rPr lang="en-US" dirty="0" err="1"/>
+              <a:t>oziroma</a:t>
+            </a:r>
+            <a:r>
+              <a:rPr lang="en-US" dirty="0"/>
+              <a:t> </a:t>
+            </a:r>
+            <a:r>
+              <a:rPr lang="en-US" dirty="0" err="1"/>
+              <a:t>hitrosti</a:t>
+            </a:r>
+            <a:r>
+              <a:rPr lang="en-US" dirty="0"/>
+              <a:t> </a:t>
+            </a:r>
+            <a:r>
+              <a:rPr lang="en-US" dirty="0" err="1"/>
+              <a:t>prenosa</a:t>
+            </a:r>
+            <a:r>
+              <a:rPr lang="en-US" dirty="0"/>
+              <a:t> </a:t>
+            </a:r>
+            <a:r>
+              <a:rPr lang="en-US" dirty="0" err="1"/>
+              <a:t>podatkov</a:t>
+            </a:r>
+            <a:r>
+              <a:rPr lang="en-US" dirty="0"/>
+              <a:t>.</a:t>
+            </a:r>
+          </a:p>
+          <a:p>
+            <a:r>
+              <a:rPr lang="en-US" dirty="0" err="1"/>
+              <a:t>Slika</a:t>
+            </a:r>
+            <a:r>
+              <a:rPr lang="en-US" dirty="0"/>
+              <a:t> </a:t>
+            </a:r>
+            <a:r>
+              <a:rPr lang="en-US" dirty="0" err="1"/>
+              <a:t>kaže</a:t>
+            </a:r>
+            <a:r>
+              <a:rPr lang="en-US" dirty="0"/>
+              <a:t> </a:t>
+            </a:r>
+            <a:r>
+              <a:rPr lang="en-US" dirty="0" err="1"/>
+              <a:t>signale</a:t>
+            </a:r>
+            <a:r>
+              <a:rPr lang="en-US" dirty="0"/>
+              <a:t> </a:t>
+            </a:r>
+            <a:r>
+              <a:rPr lang="en-US" dirty="0" err="1"/>
+              <a:t>pri</a:t>
+            </a:r>
+            <a:r>
+              <a:rPr lang="en-US" dirty="0"/>
+              <a:t> BR 115200.</a:t>
+            </a:r>
+            <a:endParaRPr lang="en-SI" dirty="0"/>
+          </a:p>
+        </p:txBody>
+      </p:sp>
+      <p:sp>
+        <p:nvSpPr>
+          <p:cNvPr id="4" name="Slide Number Placeholder 3"/>
+          <p:cNvSpPr>
+            <a:spLocks noGrp="1"/>
+          </p:cNvSpPr>
+          <p:nvPr>
+            <p:ph type="sldNum" sz="quarter" idx="5"/>
+          </p:nvPr>
+        </p:nvSpPr>
+        <p:spPr/>
+        <p:txBody>
+          <a:bodyPr/>
+          <a:lstStyle/>
+          <a:p>
+            <a:fld id="{492D5F23-14B6-4549-8755-C6856C25756F}" type="slidenum">
+              <a:rPr lang="sl-SI" smtClean="0"/>
+              <a:t>9</a:t>
+            </a:fld>
+            <a:endParaRPr lang="sl-SI"/>
+          </a:p>
+        </p:txBody>
+      </p:sp>
+    </p:spTree>
+    <p:extLst>
+      <p:ext uri="{BB962C8B-B14F-4D97-AF65-F5344CB8AC3E}">
+        <p14:creationId xmlns:p14="http://schemas.microsoft.com/office/powerpoint/2010/main" val="2674502251"/>
       </p:ext>
     </p:extLst>
   </p:cSld>
@@ -1155,7 +4495,7 @@
           </a:lstStyle>
           <a:p>
             <a:r>
-              <a:rPr lang="en-US" smtClean="0"/>
+              <a:rPr lang="en-US"/>
               <a:t>Click to edit Master title style</a:t>
             </a:r>
             <a:endParaRPr lang="en-US" dirty="0"/>
@@ -1275,7 +4615,7 @@
           </a:lstStyle>
           <a:p>
             <a:r>
-              <a:rPr lang="en-US" smtClean="0"/>
+              <a:rPr lang="en-US"/>
               <a:t>Click to edit Master subtitle style</a:t>
             </a:r>
             <a:endParaRPr lang="en-US" dirty="0"/>
@@ -1299,7 +4639,7 @@
           <a:p>
             <a:fld id="{15773609-F3B2-4616-94F4-6F9C45D8E3FC}" type="datetimeFigureOut">
               <a:rPr lang="sl-SI" smtClean="0"/>
-              <a:t>23. 06. 2025</a:t>
+              <a:t>2. 07. 2025</a:t>
             </a:fld>
             <a:endParaRPr lang="sl-SI"/>
           </a:p>
@@ -1404,7 +4744,7 @@
           </a:lstStyle>
           <a:p>
             <a:r>
-              <a:rPr lang="en-US" smtClean="0"/>
+              <a:rPr lang="en-US"/>
               <a:t>Click to edit Master title style</a:t>
             </a:r>
             <a:endParaRPr lang="en-US" dirty="0"/>
@@ -1527,7 +4867,7 @@
           <a:p>
             <a:pPr lvl="0"/>
             <a:r>
-              <a:rPr lang="en-US" smtClean="0"/>
+              <a:rPr lang="en-US"/>
               <a:t>Edit Master text styles</a:t>
             </a:r>
           </a:p>
@@ -1550,7 +4890,7 @@
           <a:p>
             <a:fld id="{15773609-F3B2-4616-94F4-6F9C45D8E3FC}" type="datetimeFigureOut">
               <a:rPr lang="sl-SI" smtClean="0"/>
-              <a:t>23. 06. 2025</a:t>
+              <a:t>2. 07. 2025</a:t>
             </a:fld>
             <a:endParaRPr lang="sl-SI"/>
           </a:p>
@@ -1655,7 +4995,7 @@
           </a:lstStyle>
           <a:p>
             <a:r>
-              <a:rPr lang="en-US" smtClean="0"/>
+              <a:rPr lang="en-US"/>
               <a:t>Click to edit Master title style</a:t>
             </a:r>
             <a:endParaRPr lang="en-US" dirty="0"/>
@@ -1719,7 +5059,7 @@
           <a:p>
             <a:pPr lvl="0"/>
             <a:r>
-              <a:rPr lang="en-US" smtClean="0"/>
+              <a:rPr lang="en-US"/>
               <a:t>Edit Master text styles</a:t>
             </a:r>
           </a:p>
@@ -1841,7 +5181,7 @@
           <a:p>
             <a:pPr lvl="0"/>
             <a:r>
-              <a:rPr lang="en-US" smtClean="0"/>
+              <a:rPr lang="en-US"/>
               <a:t>Edit Master text styles</a:t>
             </a:r>
           </a:p>
@@ -1864,7 +5204,7 @@
           <a:p>
             <a:fld id="{15773609-F3B2-4616-94F4-6F9C45D8E3FC}" type="datetimeFigureOut">
               <a:rPr lang="sl-SI" smtClean="0"/>
-              <a:t>23. 06. 2025</a:t>
+              <a:t>2. 07. 2025</a:t>
             </a:fld>
             <a:endParaRPr lang="sl-SI"/>
           </a:p>
@@ -2051,7 +5391,7 @@
           </a:lstStyle>
           <a:p>
             <a:r>
-              <a:rPr lang="en-US" smtClean="0"/>
+              <a:rPr lang="en-US"/>
               <a:t>Click to edit Master title style</a:t>
             </a:r>
             <a:endParaRPr lang="en-US" dirty="0"/>
@@ -2174,7 +5514,7 @@
           <a:p>
             <a:pPr lvl="0"/>
             <a:r>
-              <a:rPr lang="en-US" smtClean="0"/>
+              <a:rPr lang="en-US"/>
               <a:t>Edit Master text styles</a:t>
             </a:r>
           </a:p>
@@ -2197,7 +5537,7 @@
           <a:p>
             <a:fld id="{15773609-F3B2-4616-94F4-6F9C45D8E3FC}" type="datetimeFigureOut">
               <a:rPr lang="sl-SI" smtClean="0"/>
-              <a:t>23. 06. 2025</a:t>
+              <a:t>2. 07. 2025</a:t>
             </a:fld>
             <a:endParaRPr lang="sl-SI"/>
           </a:p>
@@ -2302,7 +5642,7 @@
           </a:lstStyle>
           <a:p>
             <a:r>
-              <a:rPr lang="en-US" smtClean="0"/>
+              <a:rPr lang="en-US"/>
               <a:t>Click to edit Master title style</a:t>
             </a:r>
             <a:endParaRPr lang="en-US" dirty="0"/>
@@ -2366,7 +5706,7 @@
           <a:p>
             <a:pPr lvl="0"/>
             <a:r>
-              <a:rPr lang="en-US" smtClean="0"/>
+              <a:rPr lang="en-US"/>
               <a:t>Edit Master text styles</a:t>
             </a:r>
           </a:p>
@@ -2488,7 +5828,7 @@
           <a:p>
             <a:pPr lvl="0"/>
             <a:r>
-              <a:rPr lang="en-US" smtClean="0"/>
+              <a:rPr lang="en-US"/>
               <a:t>Edit Master text styles</a:t>
             </a:r>
           </a:p>
@@ -2511,7 +5851,7 @@
           <a:p>
             <a:fld id="{15773609-F3B2-4616-94F4-6F9C45D8E3FC}" type="datetimeFigureOut">
               <a:rPr lang="sl-SI" smtClean="0"/>
-              <a:t>23. 06. 2025</a:t>
+              <a:t>2. 07. 2025</a:t>
             </a:fld>
             <a:endParaRPr lang="sl-SI"/>
           </a:p>
@@ -2698,7 +6038,7 @@
           </a:lstStyle>
           <a:p>
             <a:r>
-              <a:rPr lang="en-US" smtClean="0"/>
+              <a:rPr lang="en-US"/>
               <a:t>Click to edit Master title style</a:t>
             </a:r>
             <a:endParaRPr lang="en-US" dirty="0"/>
@@ -2759,7 +6099,7 @@
           <a:p>
             <a:pPr lvl="0"/>
             <a:r>
-              <a:rPr lang="en-US" smtClean="0"/>
+              <a:rPr lang="en-US"/>
               <a:t>Edit Master text styles</a:t>
             </a:r>
           </a:p>
@@ -2881,7 +6221,7 @@
           <a:p>
             <a:pPr lvl="0"/>
             <a:r>
-              <a:rPr lang="en-US" smtClean="0"/>
+              <a:rPr lang="en-US"/>
               <a:t>Edit Master text styles</a:t>
             </a:r>
           </a:p>
@@ -2904,7 +6244,7 @@
           <a:p>
             <a:fld id="{15773609-F3B2-4616-94F4-6F9C45D8E3FC}" type="datetimeFigureOut">
               <a:rPr lang="sl-SI" smtClean="0"/>
-              <a:t>23. 06. 2025</a:t>
+              <a:t>2. 07. 2025</a:t>
             </a:fld>
             <a:endParaRPr lang="sl-SI"/>
           </a:p>
@@ -2998,7 +6338,7 @@
           <a:lstStyle/>
           <a:p>
             <a:r>
-              <a:rPr lang="en-US" smtClean="0"/>
+              <a:rPr lang="en-US"/>
               <a:t>Click to edit Master title style</a:t>
             </a:r>
             <a:endParaRPr lang="en-US" dirty="0"/>
@@ -3022,35 +6362,35 @@
           <a:p>
             <a:pPr lvl="0"/>
             <a:r>
-              <a:rPr lang="en-US" smtClean="0"/>
+              <a:rPr lang="en-US"/>
               <a:t>Edit Master text styles</a:t>
             </a:r>
           </a:p>
           <a:p>
             <a:pPr lvl="1"/>
             <a:r>
-              <a:rPr lang="en-US" smtClean="0"/>
+              <a:rPr lang="en-US"/>
               <a:t>Second level</a:t>
             </a:r>
           </a:p>
           <a:p>
             <a:pPr lvl="2"/>
             <a:r>
-              <a:rPr lang="en-US" smtClean="0"/>
+              <a:rPr lang="en-US"/>
               <a:t>Third level</a:t>
             </a:r>
           </a:p>
           <a:p>
             <a:pPr lvl="3"/>
             <a:r>
-              <a:rPr lang="en-US" smtClean="0"/>
+              <a:rPr lang="en-US"/>
               <a:t>Fourth level</a:t>
             </a:r>
           </a:p>
           <a:p>
             <a:pPr lvl="4"/>
             <a:r>
-              <a:rPr lang="en-US" smtClean="0"/>
+              <a:rPr lang="en-US"/>
               <a:t>Fifth level</a:t>
             </a:r>
             <a:endParaRPr lang="en-US" dirty="0"/>
@@ -3074,7 +6414,7 @@
           <a:p>
             <a:fld id="{15773609-F3B2-4616-94F4-6F9C45D8E3FC}" type="datetimeFigureOut">
               <a:rPr lang="sl-SI" smtClean="0"/>
-              <a:t>23. 06. 2025</a:t>
+              <a:t>2. 07. 2025</a:t>
             </a:fld>
             <a:endParaRPr lang="sl-SI"/>
           </a:p>
@@ -3173,7 +6513,7 @@
           <a:lstStyle/>
           <a:p>
             <a:r>
-              <a:rPr lang="en-US" smtClean="0"/>
+              <a:rPr lang="en-US"/>
               <a:t>Click to edit Master title style</a:t>
             </a:r>
             <a:endParaRPr lang="en-US" dirty="0"/>
@@ -3202,35 +6542,35 @@
           <a:p>
             <a:pPr lvl="0"/>
             <a:r>
-              <a:rPr lang="en-US" smtClean="0"/>
+              <a:rPr lang="en-US"/>
               <a:t>Edit Master text styles</a:t>
             </a:r>
           </a:p>
           <a:p>
             <a:pPr lvl="1"/>
             <a:r>
-              <a:rPr lang="en-US" smtClean="0"/>
+              <a:rPr lang="en-US"/>
               <a:t>Second level</a:t>
             </a:r>
           </a:p>
           <a:p>
             <a:pPr lvl="2"/>
             <a:r>
-              <a:rPr lang="en-US" smtClean="0"/>
+              <a:rPr lang="en-US"/>
               <a:t>Third level</a:t>
             </a:r>
           </a:p>
           <a:p>
             <a:pPr lvl="3"/>
             <a:r>
-              <a:rPr lang="en-US" smtClean="0"/>
+              <a:rPr lang="en-US"/>
               <a:t>Fourth level</a:t>
             </a:r>
           </a:p>
           <a:p>
             <a:pPr lvl="4"/>
             <a:r>
-              <a:rPr lang="en-US" smtClean="0"/>
+              <a:rPr lang="en-US"/>
               <a:t>Fifth level</a:t>
             </a:r>
             <a:endParaRPr lang="en-US" dirty="0"/>
@@ -3254,7 +6594,7 @@
           <a:p>
             <a:fld id="{15773609-F3B2-4616-94F4-6F9C45D8E3FC}" type="datetimeFigureOut">
               <a:rPr lang="sl-SI" smtClean="0"/>
-              <a:t>23. 06. 2025</a:t>
+              <a:t>2. 07. 2025</a:t>
             </a:fld>
             <a:endParaRPr lang="sl-SI"/>
           </a:p>
@@ -3357,7 +6697,7 @@
           </a:lstStyle>
           <a:p>
             <a:r>
-              <a:rPr lang="en-US" smtClean="0"/>
+              <a:rPr lang="en-US"/>
               <a:t>Click to edit Master title style</a:t>
             </a:r>
             <a:endParaRPr lang="sl-SI"/>
@@ -3422,7 +6762,7 @@
           </a:lstStyle>
           <a:p>
             <a:r>
-              <a:rPr lang="en-US" smtClean="0"/>
+              <a:rPr lang="en-US"/>
               <a:t>Click to edit Master subtitle style</a:t>
             </a:r>
             <a:endParaRPr lang="sl-SI"/>
@@ -3446,7 +6786,7 @@
           <a:p>
             <a:fld id="{A80EBA3F-E182-489D-A704-929948752D44}" type="datetimeFigureOut">
               <a:rPr lang="sl-SI" smtClean="0"/>
-              <a:t>23. 06. 2025</a:t>
+              <a:t>2. 07. 2025</a:t>
             </a:fld>
             <a:endParaRPr lang="sl-SI"/>
           </a:p>
@@ -3540,7 +6880,7 @@
           <a:lstStyle/>
           <a:p>
             <a:r>
-              <a:rPr lang="en-US" smtClean="0"/>
+              <a:rPr lang="en-US"/>
               <a:t>Click to edit Master title style</a:t>
             </a:r>
             <a:endParaRPr lang="sl-SI"/>
@@ -3564,35 +6904,35 @@
           <a:p>
             <a:pPr lvl="0"/>
             <a:r>
-              <a:rPr lang="en-US" smtClean="0"/>
+              <a:rPr lang="en-US"/>
               <a:t>Edit Master text styles</a:t>
             </a:r>
           </a:p>
           <a:p>
             <a:pPr lvl="1"/>
             <a:r>
-              <a:rPr lang="en-US" smtClean="0"/>
+              <a:rPr lang="en-US"/>
               <a:t>Second level</a:t>
             </a:r>
           </a:p>
           <a:p>
             <a:pPr lvl="2"/>
             <a:r>
-              <a:rPr lang="en-US" smtClean="0"/>
+              <a:rPr lang="en-US"/>
               <a:t>Third level</a:t>
             </a:r>
           </a:p>
           <a:p>
             <a:pPr lvl="3"/>
             <a:r>
-              <a:rPr lang="en-US" smtClean="0"/>
+              <a:rPr lang="en-US"/>
               <a:t>Fourth level</a:t>
             </a:r>
           </a:p>
           <a:p>
             <a:pPr lvl="4"/>
             <a:r>
-              <a:rPr lang="en-US" smtClean="0"/>
+              <a:rPr lang="en-US"/>
               <a:t>Fifth level</a:t>
             </a:r>
             <a:endParaRPr lang="sl-SI"/>
@@ -3616,7 +6956,7 @@
           <a:p>
             <a:fld id="{A80EBA3F-E182-489D-A704-929948752D44}" type="datetimeFigureOut">
               <a:rPr lang="sl-SI" smtClean="0"/>
-              <a:t>23. 06. 2025</a:t>
+              <a:t>2. 07. 2025</a:t>
             </a:fld>
             <a:endParaRPr lang="sl-SI"/>
           </a:p>
@@ -3719,7 +7059,7 @@
           </a:lstStyle>
           <a:p>
             <a:r>
-              <a:rPr lang="en-US" smtClean="0"/>
+              <a:rPr lang="en-US"/>
               <a:t>Click to edit Master title style</a:t>
             </a:r>
             <a:endParaRPr lang="sl-SI"/>
@@ -3839,7 +7179,7 @@
           <a:p>
             <a:pPr lvl="0"/>
             <a:r>
-              <a:rPr lang="en-US" smtClean="0"/>
+              <a:rPr lang="en-US"/>
               <a:t>Edit Master text styles</a:t>
             </a:r>
           </a:p>
@@ -3862,7 +7202,7 @@
           <a:p>
             <a:fld id="{A80EBA3F-E182-489D-A704-929948752D44}" type="datetimeFigureOut">
               <a:rPr lang="sl-SI" smtClean="0"/>
-              <a:t>23. 06. 2025</a:t>
+              <a:t>2. 07. 2025</a:t>
             </a:fld>
             <a:endParaRPr lang="sl-SI"/>
           </a:p>
@@ -3956,7 +7296,7 @@
           <a:lstStyle/>
           <a:p>
             <a:r>
-              <a:rPr lang="en-US" smtClean="0"/>
+              <a:rPr lang="en-US"/>
               <a:t>Click to edit Master title style</a:t>
             </a:r>
             <a:endParaRPr lang="en-US" dirty="0"/>
@@ -3980,35 +7320,35 @@
           <a:p>
             <a:pPr lvl="0"/>
             <a:r>
-              <a:rPr lang="en-US" smtClean="0"/>
+              <a:rPr lang="en-US"/>
               <a:t>Edit Master text styles</a:t>
             </a:r>
           </a:p>
           <a:p>
             <a:pPr lvl="1"/>
             <a:r>
-              <a:rPr lang="en-US" smtClean="0"/>
+              <a:rPr lang="en-US"/>
               <a:t>Second level</a:t>
             </a:r>
           </a:p>
           <a:p>
             <a:pPr lvl="2"/>
             <a:r>
-              <a:rPr lang="en-US" smtClean="0"/>
+              <a:rPr lang="en-US"/>
               <a:t>Third level</a:t>
             </a:r>
           </a:p>
           <a:p>
             <a:pPr lvl="3"/>
             <a:r>
-              <a:rPr lang="en-US" smtClean="0"/>
+              <a:rPr lang="en-US"/>
               <a:t>Fourth level</a:t>
             </a:r>
           </a:p>
           <a:p>
             <a:pPr lvl="4"/>
             <a:r>
-              <a:rPr lang="en-US" smtClean="0"/>
+              <a:rPr lang="en-US"/>
               <a:t>Fifth level</a:t>
             </a:r>
             <a:endParaRPr lang="en-US" dirty="0"/>
@@ -4032,7 +7372,7 @@
           <a:p>
             <a:fld id="{15773609-F3B2-4616-94F4-6F9C45D8E3FC}" type="datetimeFigureOut">
               <a:rPr lang="sl-SI" smtClean="0"/>
-              <a:t>23. 06. 2025</a:t>
+              <a:t>2. 07. 2025</a:t>
             </a:fld>
             <a:endParaRPr lang="sl-SI"/>
           </a:p>
@@ -4126,7 +7466,7 @@
           <a:lstStyle/>
           <a:p>
             <a:r>
-              <a:rPr lang="en-US" smtClean="0"/>
+              <a:rPr lang="en-US"/>
               <a:t>Click to edit Master title style</a:t>
             </a:r>
             <a:endParaRPr lang="sl-SI"/>
@@ -4155,35 +7495,35 @@
           <a:p>
             <a:pPr lvl="0"/>
             <a:r>
-              <a:rPr lang="en-US" smtClean="0"/>
+              <a:rPr lang="en-US"/>
               <a:t>Edit Master text styles</a:t>
             </a:r>
           </a:p>
           <a:p>
             <a:pPr lvl="1"/>
             <a:r>
-              <a:rPr lang="en-US" smtClean="0"/>
+              <a:rPr lang="en-US"/>
               <a:t>Second level</a:t>
             </a:r>
           </a:p>
           <a:p>
             <a:pPr lvl="2"/>
             <a:r>
-              <a:rPr lang="en-US" smtClean="0"/>
+              <a:rPr lang="en-US"/>
               <a:t>Third level</a:t>
             </a:r>
           </a:p>
           <a:p>
             <a:pPr lvl="3"/>
             <a:r>
-              <a:rPr lang="en-US" smtClean="0"/>
+              <a:rPr lang="en-US"/>
               <a:t>Fourth level</a:t>
             </a:r>
           </a:p>
           <a:p>
             <a:pPr lvl="4"/>
             <a:r>
-              <a:rPr lang="en-US" smtClean="0"/>
+              <a:rPr lang="en-US"/>
               <a:t>Fifth level</a:t>
             </a:r>
             <a:endParaRPr lang="sl-SI"/>
@@ -4212,35 +7552,35 @@
           <a:p>
             <a:pPr lvl="0"/>
             <a:r>
-              <a:rPr lang="en-US" smtClean="0"/>
+              <a:rPr lang="en-US"/>
               <a:t>Edit Master text styles</a:t>
             </a:r>
           </a:p>
           <a:p>
             <a:pPr lvl="1"/>
             <a:r>
-              <a:rPr lang="en-US" smtClean="0"/>
+              <a:rPr lang="en-US"/>
               <a:t>Second level</a:t>
             </a:r>
           </a:p>
           <a:p>
             <a:pPr lvl="2"/>
             <a:r>
-              <a:rPr lang="en-US" smtClean="0"/>
+              <a:rPr lang="en-US"/>
               <a:t>Third level</a:t>
             </a:r>
           </a:p>
           <a:p>
             <a:pPr lvl="3"/>
             <a:r>
-              <a:rPr lang="en-US" smtClean="0"/>
+              <a:rPr lang="en-US"/>
               <a:t>Fourth level</a:t>
             </a:r>
           </a:p>
           <a:p>
             <a:pPr lvl="4"/>
             <a:r>
-              <a:rPr lang="en-US" smtClean="0"/>
+              <a:rPr lang="en-US"/>
               <a:t>Fifth level</a:t>
             </a:r>
             <a:endParaRPr lang="sl-SI"/>
@@ -4264,7 +7604,7 @@
           <a:p>
             <a:fld id="{A80EBA3F-E182-489D-A704-929948752D44}" type="datetimeFigureOut">
               <a:rPr lang="sl-SI" smtClean="0"/>
-              <a:t>23. 06. 2025</a:t>
+              <a:t>2. 07. 2025</a:t>
             </a:fld>
             <a:endParaRPr lang="sl-SI"/>
           </a:p>
@@ -4363,7 +7703,7 @@
           <a:lstStyle/>
           <a:p>
             <a:r>
-              <a:rPr lang="en-US" smtClean="0"/>
+              <a:rPr lang="en-US"/>
               <a:t>Click to edit Master title style</a:t>
             </a:r>
             <a:endParaRPr lang="sl-SI"/>
@@ -4429,7 +7769,7 @@
           <a:p>
             <a:pPr lvl="0"/>
             <a:r>
-              <a:rPr lang="en-US" smtClean="0"/>
+              <a:rPr lang="en-US"/>
               <a:t>Edit Master text styles</a:t>
             </a:r>
           </a:p>
@@ -4457,35 +7797,35 @@
           <a:p>
             <a:pPr lvl="0"/>
             <a:r>
-              <a:rPr lang="en-US" smtClean="0"/>
+              <a:rPr lang="en-US"/>
               <a:t>Edit Master text styles</a:t>
             </a:r>
           </a:p>
           <a:p>
             <a:pPr lvl="1"/>
             <a:r>
-              <a:rPr lang="en-US" smtClean="0"/>
+              <a:rPr lang="en-US"/>
               <a:t>Second level</a:t>
             </a:r>
           </a:p>
           <a:p>
             <a:pPr lvl="2"/>
             <a:r>
-              <a:rPr lang="en-US" smtClean="0"/>
+              <a:rPr lang="en-US"/>
               <a:t>Third level</a:t>
             </a:r>
           </a:p>
           <a:p>
             <a:pPr lvl="3"/>
             <a:r>
-              <a:rPr lang="en-US" smtClean="0"/>
+              <a:rPr lang="en-US"/>
               <a:t>Fourth level</a:t>
             </a:r>
           </a:p>
           <a:p>
             <a:pPr lvl="4"/>
             <a:r>
-              <a:rPr lang="en-US" smtClean="0"/>
+              <a:rPr lang="en-US"/>
               <a:t>Fifth level</a:t>
             </a:r>
             <a:endParaRPr lang="sl-SI"/>
@@ -4551,7 +7891,7 @@
           <a:p>
             <a:pPr lvl="0"/>
             <a:r>
-              <a:rPr lang="en-US" smtClean="0"/>
+              <a:rPr lang="en-US"/>
               <a:t>Edit Master text styles</a:t>
             </a:r>
           </a:p>
@@ -4579,35 +7919,35 @@
           <a:p>
             <a:pPr lvl="0"/>
             <a:r>
-              <a:rPr lang="en-US" smtClean="0"/>
+              <a:rPr lang="en-US"/>
               <a:t>Edit Master text styles</a:t>
             </a:r>
           </a:p>
           <a:p>
             <a:pPr lvl="1"/>
             <a:r>
-              <a:rPr lang="en-US" smtClean="0"/>
+              <a:rPr lang="en-US"/>
               <a:t>Second level</a:t>
             </a:r>
           </a:p>
           <a:p>
             <a:pPr lvl="2"/>
             <a:r>
-              <a:rPr lang="en-US" smtClean="0"/>
+              <a:rPr lang="en-US"/>
               <a:t>Third level</a:t>
             </a:r>
           </a:p>
           <a:p>
             <a:pPr lvl="3"/>
             <a:r>
-              <a:rPr lang="en-US" smtClean="0"/>
+              <a:rPr lang="en-US"/>
               <a:t>Fourth level</a:t>
             </a:r>
           </a:p>
           <a:p>
             <a:pPr lvl="4"/>
             <a:r>
-              <a:rPr lang="en-US" smtClean="0"/>
+              <a:rPr lang="en-US"/>
               <a:t>Fifth level</a:t>
             </a:r>
             <a:endParaRPr lang="sl-SI"/>
@@ -4631,7 +7971,7 @@
           <a:p>
             <a:fld id="{A80EBA3F-E182-489D-A704-929948752D44}" type="datetimeFigureOut">
               <a:rPr lang="sl-SI" smtClean="0"/>
-              <a:t>23. 06. 2025</a:t>
+              <a:t>2. 07. 2025</a:t>
             </a:fld>
             <a:endParaRPr lang="sl-SI"/>
           </a:p>
@@ -4725,7 +8065,7 @@
           <a:lstStyle/>
           <a:p>
             <a:r>
-              <a:rPr lang="en-US" smtClean="0"/>
+              <a:rPr lang="en-US"/>
               <a:t>Click to edit Master title style</a:t>
             </a:r>
             <a:endParaRPr lang="sl-SI"/>
@@ -4749,7 +8089,7 @@
           <a:p>
             <a:fld id="{A80EBA3F-E182-489D-A704-929948752D44}" type="datetimeFigureOut">
               <a:rPr lang="sl-SI" smtClean="0"/>
-              <a:t>23. 06. 2025</a:t>
+              <a:t>2. 07. 2025</a:t>
             </a:fld>
             <a:endParaRPr lang="sl-SI"/>
           </a:p>
@@ -4844,7 +8184,7 @@
           <a:p>
             <a:fld id="{A80EBA3F-E182-489D-A704-929948752D44}" type="datetimeFigureOut">
               <a:rPr lang="sl-SI" smtClean="0"/>
-              <a:t>23. 06. 2025</a:t>
+              <a:t>2. 07. 2025</a:t>
             </a:fld>
             <a:endParaRPr lang="sl-SI"/>
           </a:p>
@@ -4947,7 +8287,7 @@
           </a:lstStyle>
           <a:p>
             <a:r>
-              <a:rPr lang="en-US" smtClean="0"/>
+              <a:rPr lang="en-US"/>
               <a:t>Click to edit Master title style</a:t>
             </a:r>
             <a:endParaRPr lang="sl-SI"/>
@@ -5004,35 +8344,35 @@
           <a:p>
             <a:pPr lvl="0"/>
             <a:r>
-              <a:rPr lang="en-US" smtClean="0"/>
+              <a:rPr lang="en-US"/>
               <a:t>Edit Master text styles</a:t>
             </a:r>
           </a:p>
           <a:p>
             <a:pPr lvl="1"/>
             <a:r>
-              <a:rPr lang="en-US" smtClean="0"/>
+              <a:rPr lang="en-US"/>
               <a:t>Second level</a:t>
             </a:r>
           </a:p>
           <a:p>
             <a:pPr lvl="2"/>
             <a:r>
-              <a:rPr lang="en-US" smtClean="0"/>
+              <a:rPr lang="en-US"/>
               <a:t>Third level</a:t>
             </a:r>
           </a:p>
           <a:p>
             <a:pPr lvl="3"/>
             <a:r>
-              <a:rPr lang="en-US" smtClean="0"/>
+              <a:rPr lang="en-US"/>
               <a:t>Fourth level</a:t>
             </a:r>
           </a:p>
           <a:p>
             <a:pPr lvl="4"/>
             <a:r>
-              <a:rPr lang="en-US" smtClean="0"/>
+              <a:rPr lang="en-US"/>
               <a:t>Fifth level</a:t>
             </a:r>
             <a:endParaRPr lang="sl-SI"/>
@@ -5098,7 +8438,7 @@
           <a:p>
             <a:pPr lvl="0"/>
             <a:r>
-              <a:rPr lang="en-US" smtClean="0"/>
+              <a:rPr lang="en-US"/>
               <a:t>Edit Master text styles</a:t>
             </a:r>
           </a:p>
@@ -5121,7 +8461,7 @@
           <a:p>
             <a:fld id="{A80EBA3F-E182-489D-A704-929948752D44}" type="datetimeFigureOut">
               <a:rPr lang="sl-SI" smtClean="0"/>
-              <a:t>23. 06. 2025</a:t>
+              <a:t>2. 07. 2025</a:t>
             </a:fld>
             <a:endParaRPr lang="sl-SI"/>
           </a:p>
@@ -5224,7 +8564,7 @@
           </a:lstStyle>
           <a:p>
             <a:r>
-              <a:rPr lang="en-US" smtClean="0"/>
+              <a:rPr lang="en-US"/>
               <a:t>Click to edit Master title style</a:t>
             </a:r>
             <a:endParaRPr lang="sl-SI"/>
@@ -5351,7 +8691,7 @@
           <a:p>
             <a:pPr lvl="0"/>
             <a:r>
-              <a:rPr lang="en-US" smtClean="0"/>
+              <a:rPr lang="en-US"/>
               <a:t>Edit Master text styles</a:t>
             </a:r>
           </a:p>
@@ -5374,7 +8714,7 @@
           <a:p>
             <a:fld id="{A80EBA3F-E182-489D-A704-929948752D44}" type="datetimeFigureOut">
               <a:rPr lang="sl-SI" smtClean="0"/>
-              <a:t>23. 06. 2025</a:t>
+              <a:t>2. 07. 2025</a:t>
             </a:fld>
             <a:endParaRPr lang="sl-SI"/>
           </a:p>
@@ -5468,7 +8808,7 @@
           <a:lstStyle/>
           <a:p>
             <a:r>
-              <a:rPr lang="en-US" smtClean="0"/>
+              <a:rPr lang="en-US"/>
               <a:t>Click to edit Master title style</a:t>
             </a:r>
             <a:endParaRPr lang="sl-SI"/>
@@ -5492,35 +8832,35 @@
           <a:p>
             <a:pPr lvl="0"/>
             <a:r>
-              <a:rPr lang="en-US" smtClean="0"/>
+              <a:rPr lang="en-US"/>
               <a:t>Edit Master text styles</a:t>
             </a:r>
           </a:p>
           <a:p>
             <a:pPr lvl="1"/>
             <a:r>
-              <a:rPr lang="en-US" smtClean="0"/>
+              <a:rPr lang="en-US"/>
               <a:t>Second level</a:t>
             </a:r>
           </a:p>
           <a:p>
             <a:pPr lvl="2"/>
             <a:r>
-              <a:rPr lang="en-US" smtClean="0"/>
+              <a:rPr lang="en-US"/>
               <a:t>Third level</a:t>
             </a:r>
           </a:p>
           <a:p>
             <a:pPr lvl="3"/>
             <a:r>
-              <a:rPr lang="en-US" smtClean="0"/>
+              <a:rPr lang="en-US"/>
               <a:t>Fourth level</a:t>
             </a:r>
           </a:p>
           <a:p>
             <a:pPr lvl="4"/>
             <a:r>
-              <a:rPr lang="en-US" smtClean="0"/>
+              <a:rPr lang="en-US"/>
               <a:t>Fifth level</a:t>
             </a:r>
             <a:endParaRPr lang="sl-SI"/>
@@ -5544,7 +8884,7 @@
           <a:p>
             <a:fld id="{A80EBA3F-E182-489D-A704-929948752D44}" type="datetimeFigureOut">
               <a:rPr lang="sl-SI" smtClean="0"/>
-              <a:t>23. 06. 2025</a:t>
+              <a:t>2. 07. 2025</a:t>
             </a:fld>
             <a:endParaRPr lang="sl-SI"/>
           </a:p>
@@ -5643,7 +8983,7 @@
           <a:lstStyle/>
           <a:p>
             <a:r>
-              <a:rPr lang="en-US" smtClean="0"/>
+              <a:rPr lang="en-US"/>
               <a:t>Click to edit Master title style</a:t>
             </a:r>
             <a:endParaRPr lang="sl-SI"/>
@@ -5672,35 +9012,35 @@
           <a:p>
             <a:pPr lvl="0"/>
             <a:r>
-              <a:rPr lang="en-US" smtClean="0"/>
+              <a:rPr lang="en-US"/>
               <a:t>Edit Master text styles</a:t>
             </a:r>
           </a:p>
           <a:p>
             <a:pPr lvl="1"/>
             <a:r>
-              <a:rPr lang="en-US" smtClean="0"/>
+              <a:rPr lang="en-US"/>
               <a:t>Second level</a:t>
             </a:r>
           </a:p>
           <a:p>
             <a:pPr lvl="2"/>
             <a:r>
-              <a:rPr lang="en-US" smtClean="0"/>
+              <a:rPr lang="en-US"/>
               <a:t>Third level</a:t>
             </a:r>
           </a:p>
           <a:p>
             <a:pPr lvl="3"/>
             <a:r>
-              <a:rPr lang="en-US" smtClean="0"/>
+              <a:rPr lang="en-US"/>
               <a:t>Fourth level</a:t>
             </a:r>
           </a:p>
           <a:p>
             <a:pPr lvl="4"/>
             <a:r>
-              <a:rPr lang="en-US" smtClean="0"/>
+              <a:rPr lang="en-US"/>
               <a:t>Fifth level</a:t>
             </a:r>
             <a:endParaRPr lang="sl-SI"/>
@@ -5724,7 +9064,7 @@
           <a:p>
             <a:fld id="{A80EBA3F-E182-489D-A704-929948752D44}" type="datetimeFigureOut">
               <a:rPr lang="sl-SI" smtClean="0"/>
-              <a:t>23. 06. 2025</a:t>
+              <a:t>2. 07. 2025</a:t>
             </a:fld>
             <a:endParaRPr lang="sl-SI"/>
           </a:p>
@@ -5827,7 +9167,7 @@
           </a:lstStyle>
           <a:p>
             <a:r>
-              <a:rPr lang="en-US" smtClean="0"/>
+              <a:rPr lang="en-US"/>
               <a:t>Click to edit Master title style</a:t>
             </a:r>
             <a:endParaRPr lang="en-US" dirty="0"/>
@@ -5948,7 +9288,7 @@
           <a:p>
             <a:pPr lvl="0"/>
             <a:r>
-              <a:rPr lang="en-US" smtClean="0"/>
+              <a:rPr lang="en-US"/>
               <a:t>Edit Master text styles</a:t>
             </a:r>
           </a:p>
@@ -5971,7 +9311,7 @@
           <a:p>
             <a:fld id="{15773609-F3B2-4616-94F4-6F9C45D8E3FC}" type="datetimeFigureOut">
               <a:rPr lang="sl-SI" smtClean="0"/>
-              <a:t>23. 06. 2025</a:t>
+              <a:t>2. 07. 2025</a:t>
             </a:fld>
             <a:endParaRPr lang="sl-SI"/>
           </a:p>
@@ -6065,7 +9405,7 @@
           <a:lstStyle/>
           <a:p>
             <a:r>
-              <a:rPr lang="en-US" smtClean="0"/>
+              <a:rPr lang="en-US"/>
               <a:t>Click to edit Master title style</a:t>
             </a:r>
             <a:endParaRPr lang="en-US" dirty="0"/>
@@ -6094,35 +9434,35 @@
           <a:p>
             <a:pPr lvl="0"/>
             <a:r>
-              <a:rPr lang="en-US" smtClean="0"/>
+              <a:rPr lang="en-US"/>
               <a:t>Edit Master text styles</a:t>
             </a:r>
           </a:p>
           <a:p>
             <a:pPr lvl="1"/>
             <a:r>
-              <a:rPr lang="en-US" smtClean="0"/>
+              <a:rPr lang="en-US"/>
               <a:t>Second level</a:t>
             </a:r>
           </a:p>
           <a:p>
             <a:pPr lvl="2"/>
             <a:r>
-              <a:rPr lang="en-US" smtClean="0"/>
+              <a:rPr lang="en-US"/>
               <a:t>Third level</a:t>
             </a:r>
           </a:p>
           <a:p>
             <a:pPr lvl="3"/>
             <a:r>
-              <a:rPr lang="en-US" smtClean="0"/>
+              <a:rPr lang="en-US"/>
               <a:t>Fourth level</a:t>
             </a:r>
           </a:p>
           <a:p>
             <a:pPr lvl="4"/>
             <a:r>
-              <a:rPr lang="en-US" smtClean="0"/>
+              <a:rPr lang="en-US"/>
               <a:t>Fifth level</a:t>
             </a:r>
             <a:endParaRPr lang="en-US" dirty="0"/>
@@ -6151,35 +9491,35 @@
           <a:p>
             <a:pPr lvl="0"/>
             <a:r>
-              <a:rPr lang="en-US" smtClean="0"/>
+              <a:rPr lang="en-US"/>
               <a:t>Edit Master text styles</a:t>
             </a:r>
           </a:p>
           <a:p>
             <a:pPr lvl="1"/>
             <a:r>
-              <a:rPr lang="en-US" smtClean="0"/>
+              <a:rPr lang="en-US"/>
               <a:t>Second level</a:t>
             </a:r>
           </a:p>
           <a:p>
             <a:pPr lvl="2"/>
             <a:r>
-              <a:rPr lang="en-US" smtClean="0"/>
+              <a:rPr lang="en-US"/>
               <a:t>Third level</a:t>
             </a:r>
           </a:p>
           <a:p>
             <a:pPr lvl="3"/>
             <a:r>
-              <a:rPr lang="en-US" smtClean="0"/>
+              <a:rPr lang="en-US"/>
               <a:t>Fourth level</a:t>
             </a:r>
           </a:p>
           <a:p>
             <a:pPr lvl="4"/>
             <a:r>
-              <a:rPr lang="en-US" smtClean="0"/>
+              <a:rPr lang="en-US"/>
               <a:t>Fifth level</a:t>
             </a:r>
             <a:endParaRPr lang="en-US" dirty="0"/>
@@ -6203,7 +9543,7 @@
           <a:p>
             <a:fld id="{15773609-F3B2-4616-94F4-6F9C45D8E3FC}" type="datetimeFigureOut">
               <a:rPr lang="sl-SI" smtClean="0"/>
-              <a:t>23. 06. 2025</a:t>
+              <a:t>2. 07. 2025</a:t>
             </a:fld>
             <a:endParaRPr lang="sl-SI"/>
           </a:p>
@@ -6301,7 +9641,7 @@
           </a:lstStyle>
           <a:p>
             <a:r>
-              <a:rPr lang="en-US" smtClean="0"/>
+              <a:rPr lang="en-US"/>
               <a:t>Click to edit Master title style</a:t>
             </a:r>
             <a:endParaRPr lang="en-US" dirty="0"/>
@@ -6369,7 +9709,7 @@
           <a:p>
             <a:pPr lvl="0"/>
             <a:r>
-              <a:rPr lang="en-US" smtClean="0"/>
+              <a:rPr lang="en-US"/>
               <a:t>Edit Master text styles</a:t>
             </a:r>
           </a:p>
@@ -6399,35 +9739,35 @@
           <a:p>
             <a:pPr lvl="0"/>
             <a:r>
-              <a:rPr lang="en-US" smtClean="0"/>
+              <a:rPr lang="en-US"/>
               <a:t>Edit Master text styles</a:t>
             </a:r>
           </a:p>
           <a:p>
             <a:pPr lvl="1"/>
             <a:r>
-              <a:rPr lang="en-US" smtClean="0"/>
+              <a:rPr lang="en-US"/>
               <a:t>Second level</a:t>
             </a:r>
           </a:p>
           <a:p>
             <a:pPr lvl="2"/>
             <a:r>
-              <a:rPr lang="en-US" smtClean="0"/>
+              <a:rPr lang="en-US"/>
               <a:t>Third level</a:t>
             </a:r>
           </a:p>
           <a:p>
             <a:pPr lvl="3"/>
             <a:r>
-              <a:rPr lang="en-US" smtClean="0"/>
+              <a:rPr lang="en-US"/>
               <a:t>Fourth level</a:t>
             </a:r>
           </a:p>
           <a:p>
             <a:pPr lvl="4"/>
             <a:r>
-              <a:rPr lang="en-US" smtClean="0"/>
+              <a:rPr lang="en-US"/>
               <a:t>Fifth level</a:t>
             </a:r>
             <a:endParaRPr lang="en-US" dirty="0"/>
@@ -6495,7 +9835,7 @@
           <a:p>
             <a:pPr lvl="0"/>
             <a:r>
-              <a:rPr lang="en-US" smtClean="0"/>
+              <a:rPr lang="en-US"/>
               <a:t>Edit Master text styles</a:t>
             </a:r>
           </a:p>
@@ -6525,35 +9865,35 @@
           <a:p>
             <a:pPr lvl="0"/>
             <a:r>
-              <a:rPr lang="en-US" smtClean="0"/>
+              <a:rPr lang="en-US"/>
               <a:t>Edit Master text styles</a:t>
             </a:r>
           </a:p>
           <a:p>
             <a:pPr lvl="1"/>
             <a:r>
-              <a:rPr lang="en-US" smtClean="0"/>
+              <a:rPr lang="en-US"/>
               <a:t>Second level</a:t>
             </a:r>
           </a:p>
           <a:p>
             <a:pPr lvl="2"/>
             <a:r>
-              <a:rPr lang="en-US" smtClean="0"/>
+              <a:rPr lang="en-US"/>
               <a:t>Third level</a:t>
             </a:r>
           </a:p>
           <a:p>
             <a:pPr lvl="3"/>
             <a:r>
-              <a:rPr lang="en-US" smtClean="0"/>
+              <a:rPr lang="en-US"/>
               <a:t>Fourth level</a:t>
             </a:r>
           </a:p>
           <a:p>
             <a:pPr lvl="4"/>
             <a:r>
-              <a:rPr lang="en-US" smtClean="0"/>
+              <a:rPr lang="en-US"/>
               <a:t>Fifth level</a:t>
             </a:r>
             <a:endParaRPr lang="en-US" dirty="0"/>
@@ -6577,7 +9917,7 @@
           <a:p>
             <a:fld id="{15773609-F3B2-4616-94F4-6F9C45D8E3FC}" type="datetimeFigureOut">
               <a:rPr lang="sl-SI" smtClean="0"/>
-              <a:t>23. 06. 2025</a:t>
+              <a:t>2. 07. 2025</a:t>
             </a:fld>
             <a:endParaRPr lang="sl-SI"/>
           </a:p>
@@ -6676,7 +10016,7 @@
           <a:lstStyle/>
           <a:p>
             <a:r>
-              <a:rPr lang="en-US" smtClean="0"/>
+              <a:rPr lang="en-US"/>
               <a:t>Click to edit Master title style</a:t>
             </a:r>
             <a:endParaRPr lang="en-US" dirty="0"/>
@@ -6700,7 +10040,7 @@
           <a:p>
             <a:fld id="{15773609-F3B2-4616-94F4-6F9C45D8E3FC}" type="datetimeFigureOut">
               <a:rPr lang="sl-SI" smtClean="0"/>
-              <a:t>23. 06. 2025</a:t>
+              <a:t>2. 07. 2025</a:t>
             </a:fld>
             <a:endParaRPr lang="sl-SI"/>
           </a:p>
@@ -6795,7 +10135,7 @@
           <a:p>
             <a:fld id="{15773609-F3B2-4616-94F4-6F9C45D8E3FC}" type="datetimeFigureOut">
               <a:rPr lang="sl-SI" smtClean="0"/>
-              <a:t>23. 06. 2025</a:t>
+              <a:t>2. 07. 2025</a:t>
             </a:fld>
             <a:endParaRPr lang="sl-SI"/>
           </a:p>
@@ -6900,7 +10240,7 @@
           </a:lstStyle>
           <a:p>
             <a:r>
-              <a:rPr lang="en-US" smtClean="0"/>
+              <a:rPr lang="en-US"/>
               <a:t>Click to edit Master title style</a:t>
             </a:r>
             <a:endParaRPr lang="en-US" dirty="0"/>
@@ -6931,35 +10271,35 @@
           <a:p>
             <a:pPr lvl="0"/>
             <a:r>
-              <a:rPr lang="en-US" smtClean="0"/>
+              <a:rPr lang="en-US"/>
               <a:t>Edit Master text styles</a:t>
             </a:r>
           </a:p>
           <a:p>
             <a:pPr lvl="1"/>
             <a:r>
-              <a:rPr lang="en-US" smtClean="0"/>
+              <a:rPr lang="en-US"/>
               <a:t>Second level</a:t>
             </a:r>
           </a:p>
           <a:p>
             <a:pPr lvl="2"/>
             <a:r>
-              <a:rPr lang="en-US" smtClean="0"/>
+              <a:rPr lang="en-US"/>
               <a:t>Third level</a:t>
             </a:r>
           </a:p>
           <a:p>
             <a:pPr lvl="3"/>
             <a:r>
-              <a:rPr lang="en-US" smtClean="0"/>
+              <a:rPr lang="en-US"/>
               <a:t>Fourth level</a:t>
             </a:r>
           </a:p>
           <a:p>
             <a:pPr lvl="4"/>
             <a:r>
-              <a:rPr lang="en-US" smtClean="0"/>
+              <a:rPr lang="en-US"/>
               <a:t>Fifth level</a:t>
             </a:r>
             <a:endParaRPr lang="en-US" dirty="0"/>
@@ -7027,7 +10367,7 @@
           <a:p>
             <a:pPr lvl="0"/>
             <a:r>
-              <a:rPr lang="en-US" smtClean="0"/>
+              <a:rPr lang="en-US"/>
               <a:t>Edit Master text styles</a:t>
             </a:r>
           </a:p>
@@ -7050,7 +10390,7 @@
           <a:p>
             <a:fld id="{15773609-F3B2-4616-94F4-6F9C45D8E3FC}" type="datetimeFigureOut">
               <a:rPr lang="sl-SI" smtClean="0"/>
-              <a:t>23. 06. 2025</a:t>
+              <a:t>2. 07. 2025</a:t>
             </a:fld>
             <a:endParaRPr lang="sl-SI"/>
           </a:p>
@@ -7155,7 +10495,7 @@
           </a:lstStyle>
           <a:p>
             <a:r>
-              <a:rPr lang="en-US" smtClean="0"/>
+              <a:rPr lang="en-US"/>
               <a:t>Click to edit Master title style</a:t>
             </a:r>
             <a:endParaRPr lang="en-US" dirty="0"/>
@@ -7222,7 +10562,7 @@
           </a:lstStyle>
           <a:p>
             <a:r>
-              <a:rPr lang="en-US" smtClean="0"/>
+              <a:rPr lang="en-US"/>
               <a:t>Click icon to add picture</a:t>
             </a:r>
             <a:endParaRPr lang="en-US" dirty="0"/>
@@ -7290,7 +10630,7 @@
           <a:p>
             <a:pPr lvl="0"/>
             <a:r>
-              <a:rPr lang="en-US" smtClean="0"/>
+              <a:rPr lang="en-US"/>
               <a:t>Edit Master text styles</a:t>
             </a:r>
           </a:p>
@@ -7355,7 +10695,7 @@
           <a:p>
             <a:fld id="{15773609-F3B2-4616-94F4-6F9C45D8E3FC}" type="datetimeFigureOut">
               <a:rPr lang="sl-SI" smtClean="0"/>
-              <a:t>23. 06. 2025</a:t>
+              <a:t>2. 07. 2025</a:t>
             </a:fld>
             <a:endParaRPr lang="sl-SI"/>
           </a:p>
@@ -7953,7 +11293,7 @@
           <a:lstStyle/>
           <a:p>
             <a:r>
-              <a:rPr lang="en-US" smtClean="0"/>
+              <a:rPr lang="en-US"/>
               <a:t>Click to edit Master title style</a:t>
             </a:r>
             <a:endParaRPr lang="en-US" dirty="0"/>
@@ -7987,35 +11327,35 @@
           <a:p>
             <a:pPr lvl="0"/>
             <a:r>
-              <a:rPr lang="en-US" smtClean="0"/>
+              <a:rPr lang="en-US"/>
               <a:t>Edit Master text styles</a:t>
             </a:r>
           </a:p>
           <a:p>
             <a:pPr lvl="1"/>
             <a:r>
-              <a:rPr lang="en-US" smtClean="0"/>
+              <a:rPr lang="en-US"/>
               <a:t>Second level</a:t>
             </a:r>
           </a:p>
           <a:p>
             <a:pPr lvl="2"/>
             <a:r>
-              <a:rPr lang="en-US" smtClean="0"/>
+              <a:rPr lang="en-US"/>
               <a:t>Third level</a:t>
             </a:r>
           </a:p>
           <a:p>
             <a:pPr lvl="3"/>
             <a:r>
-              <a:rPr lang="en-US" smtClean="0"/>
+              <a:rPr lang="en-US"/>
               <a:t>Fourth level</a:t>
             </a:r>
           </a:p>
           <a:p>
             <a:pPr lvl="4"/>
             <a:r>
-              <a:rPr lang="en-US" smtClean="0"/>
+              <a:rPr lang="en-US"/>
               <a:t>Fifth level</a:t>
             </a:r>
             <a:endParaRPr lang="en-US" dirty="0"/>
@@ -8057,7 +11397,7 @@
           <a:p>
             <a:fld id="{15773609-F3B2-4616-94F4-6F9C45D8E3FC}" type="datetimeFigureOut">
               <a:rPr lang="sl-SI" smtClean="0"/>
-              <a:t>23. 06. 2025</a:t>
+              <a:t>2. 07. 2025</a:t>
             </a:fld>
             <a:endParaRPr lang="sl-SI"/>
           </a:p>
@@ -8612,7 +11952,7 @@
           <a:lstStyle/>
           <a:p>
             <a:r>
-              <a:rPr lang="en-US" smtClean="0"/>
+              <a:rPr lang="en-US"/>
               <a:t>Click to edit Master title style</a:t>
             </a:r>
             <a:endParaRPr lang="sl-SI"/>
@@ -8646,35 +11986,35 @@
           <a:p>
             <a:pPr lvl="0"/>
             <a:r>
-              <a:rPr lang="en-US" smtClean="0"/>
+              <a:rPr lang="en-US"/>
               <a:t>Edit Master text styles</a:t>
             </a:r>
           </a:p>
           <a:p>
             <a:pPr lvl="1"/>
             <a:r>
-              <a:rPr lang="en-US" smtClean="0"/>
+              <a:rPr lang="en-US"/>
               <a:t>Second level</a:t>
             </a:r>
           </a:p>
           <a:p>
             <a:pPr lvl="2"/>
             <a:r>
-              <a:rPr lang="en-US" smtClean="0"/>
+              <a:rPr lang="en-US"/>
               <a:t>Third level</a:t>
             </a:r>
           </a:p>
           <a:p>
             <a:pPr lvl="3"/>
             <a:r>
-              <a:rPr lang="en-US" smtClean="0"/>
+              <a:rPr lang="en-US"/>
               <a:t>Fourth level</a:t>
             </a:r>
           </a:p>
           <a:p>
             <a:pPr lvl="4"/>
             <a:r>
-              <a:rPr lang="en-US" smtClean="0"/>
+              <a:rPr lang="en-US"/>
               <a:t>Fifth level</a:t>
             </a:r>
             <a:endParaRPr lang="sl-SI"/>
@@ -8716,7 +12056,7 @@
           <a:p>
             <a:fld id="{A80EBA3F-E182-489D-A704-929948752D44}" type="datetimeFigureOut">
               <a:rPr lang="sl-SI" smtClean="0"/>
-              <a:t>23. 06. 2025</a:t>
+              <a:t>2. 07. 2025</a:t>
             </a:fld>
             <a:endParaRPr lang="sl-SI"/>
           </a:p>
@@ -9137,19 +12477,19 @@
           <a:lstStyle/>
           <a:p>
             <a:r>
-              <a:rPr lang="en-US" dirty="0" smtClean="0"/>
+              <a:rPr lang="en-US" dirty="0"/>
               <a:t>Seminar </a:t>
             </a:r>
             <a:r>
-              <a:rPr lang="en-US" dirty="0" err="1" smtClean="0"/>
+              <a:rPr lang="en-US" dirty="0" err="1"/>
               <a:t>iz</a:t>
             </a:r>
             <a:r>
-              <a:rPr lang="en-US" dirty="0" smtClean="0"/>
-              <a:t> </a:t>
-            </a:r>
-            <a:r>
-              <a:rPr lang="en-US" dirty="0" err="1" smtClean="0"/>
+              <a:rPr lang="en-US" dirty="0"/>
+              <a:t> </a:t>
+            </a:r>
+            <a:r>
+              <a:rPr lang="en-US" dirty="0" err="1"/>
               <a:t>mehatronike</a:t>
             </a:r>
             <a:endParaRPr lang="sl-SI" dirty="0"/>
@@ -9195,13 +12535,6 @@
   <p:clrMapOvr>
     <a:masterClrMapping/>
   </p:clrMapOvr>
-  <p:timing>
-    <p:tnLst>
-      <p:par>
-        <p:cTn id="1" dur="indefinite" restart="never" nodeType="tmRoot"/>
-      </p:par>
-    </p:tnLst>
-  </p:timing>
 </p:sld>
 </file>
 
@@ -9312,11 +12645,7 @@
           <a:p>
             <a:r>
               <a:rPr lang="en-US" dirty="0"/>
-              <a:t>Baud rate = </a:t>
-            </a:r>
-            <a:r>
-              <a:rPr lang="en-US" dirty="0" smtClean="0"/>
-              <a:t>256000</a:t>
+              <a:t>Baud rate = 256000</a:t>
             </a:r>
             <a:endParaRPr lang="sl-SI" dirty="0"/>
           </a:p>
@@ -9332,7 +12661,7 @@
           <p:nvPr/>
         </p:nvPicPr>
         <p:blipFill>
-          <a:blip r:embed="rId2" cstate="print">
+          <a:blip r:embed="rId3" cstate="print">
             <a:extLst>
               <a:ext uri="{28A0092B-C50C-407E-A947-70E740481C1C}">
                 <a14:useLocalDpi xmlns:a14="http://schemas.microsoft.com/office/drawing/2010/main" val="0"/>
@@ -9404,7 +12733,7 @@
           <a:lstStyle/>
           <a:p>
             <a:r>
-              <a:rPr lang="en-US" dirty="0" err="1" smtClean="0"/>
+              <a:rPr lang="en-US" dirty="0" err="1"/>
               <a:t>Optični</a:t>
             </a:r>
             <a:r>
@@ -9412,7 +12741,7 @@
               <a:t> </a:t>
             </a:r>
             <a:r>
-              <a:rPr lang="en-US" dirty="0" err="1" smtClean="0"/>
+              <a:rPr lang="en-US" dirty="0" err="1"/>
               <a:t>kabel</a:t>
             </a:r>
             <a:endParaRPr lang="sl-SI" dirty="0"/>
@@ -9472,13 +12801,6 @@
   <p:clrMapOvr>
     <a:masterClrMapping/>
   </p:clrMapOvr>
-  <p:timing>
-    <p:tnLst>
-      <p:par>
-        <p:cTn id="1" dur="indefinite" restart="never" nodeType="tmRoot"/>
-      </p:par>
-    </p:tnLst>
-  </p:timing>
 </p:sld>
 </file>
 
@@ -9529,15 +12851,15 @@
           </p:nvPr>
         </p:nvPicPr>
         <p:blipFill>
-          <a:blip r:embed="rId2"/>
+          <a:blip r:embed="rId3"/>
           <a:stretch>
             <a:fillRect/>
           </a:stretch>
         </p:blipFill>
         <p:spPr>
           <a:xfrm>
-            <a:off x="4975668" y="2468220"/>
-            <a:ext cx="4768402" cy="2323587"/>
+            <a:off x="3436658" y="2472856"/>
+            <a:ext cx="8501297" cy="4142583"/>
           </a:xfrm>
           <a:prstGeom prst="rect">
             <a:avLst/>
@@ -9553,15 +12875,15 @@
           <p:nvPr/>
         </p:nvPicPr>
         <p:blipFill>
-          <a:blip r:embed="rId3"/>
+          <a:blip r:embed="rId4"/>
           <a:stretch>
             <a:fillRect/>
           </a:stretch>
         </p:blipFill>
         <p:spPr>
           <a:xfrm>
-            <a:off x="677334" y="2160588"/>
-            <a:ext cx="3983374" cy="2631219"/>
+            <a:off x="476820" y="242561"/>
+            <a:ext cx="4498848" cy="2971716"/>
           </a:xfrm>
           <a:prstGeom prst="rect">
             <a:avLst/>
@@ -9614,7 +12936,7 @@
           <a:lstStyle/>
           <a:p>
             <a:r>
-              <a:rPr lang="en-US" dirty="0" err="1" smtClean="0"/>
+              <a:rPr lang="en-US" dirty="0" err="1"/>
               <a:t>Vezje</a:t>
             </a:r>
             <a:endParaRPr lang="sl-SI" dirty="0"/>
@@ -9637,65 +12959,61 @@
           <a:lstStyle/>
           <a:p>
             <a:r>
-              <a:rPr lang="en-US" dirty="0" err="1" smtClean="0"/>
+              <a:rPr lang="en-US" dirty="0" err="1"/>
               <a:t>Idmax</a:t>
             </a:r>
             <a:r>
               <a:rPr lang="en-US" dirty="0"/>
-              <a:t> </a:t>
-            </a:r>
-            <a:r>
-              <a:rPr lang="en-US" dirty="0" smtClean="0"/>
-              <a:t>= 80 mA</a:t>
-            </a:r>
-          </a:p>
-          <a:p>
-            <a:r>
-              <a:rPr lang="en-US" dirty="0" smtClean="0"/>
+              <a:t> = 80 mA</a:t>
+            </a:r>
+          </a:p>
+          <a:p>
+            <a:r>
+              <a:rPr lang="en-US" dirty="0"/>
               <a:t>R1min = 44 </a:t>
             </a:r>
             <a:r>
-              <a:rPr lang="el-GR" dirty="0" smtClean="0"/>
+              <a:rPr lang="el-GR" dirty="0"/>
               <a:t>Ω</a:t>
             </a:r>
-            <a:endParaRPr lang="en-US" dirty="0" smtClean="0"/>
-          </a:p>
-          <a:p>
-            <a:r>
-              <a:rPr lang="en-US" dirty="0" smtClean="0"/>
+            <a:endParaRPr lang="en-US" dirty="0"/>
+          </a:p>
+          <a:p>
+            <a:r>
+              <a:rPr lang="en-US" dirty="0"/>
               <a:t>Id = 50 mA</a:t>
             </a:r>
           </a:p>
           <a:p>
             <a:r>
-              <a:rPr lang="en-US" dirty="0" smtClean="0"/>
+              <a:rPr lang="en-US" dirty="0"/>
               <a:t>R1 = 70 </a:t>
             </a:r>
             <a:r>
-              <a:rPr lang="el-GR" dirty="0" smtClean="0"/>
+              <a:rPr lang="el-GR" dirty="0"/>
               <a:t>Ω</a:t>
             </a:r>
-            <a:endParaRPr lang="en-US" dirty="0" smtClean="0"/>
-          </a:p>
-          <a:p>
-            <a:r>
-              <a:rPr lang="en-US" dirty="0" smtClean="0"/>
+            <a:endParaRPr lang="en-US" dirty="0"/>
+          </a:p>
+          <a:p>
+            <a:r>
+              <a:rPr lang="en-US" dirty="0"/>
               <a:t>PS1 </a:t>
             </a:r>
             <a:r>
-              <a:rPr lang="en-SI" dirty="0" smtClean="0"/>
+              <a:rPr lang="en-SI" dirty="0"/>
               <a:t>–</a:t>
             </a:r>
             <a:r>
-              <a:rPr lang="en-US" dirty="0" smtClean="0"/>
+              <a:rPr lang="en-US" dirty="0"/>
               <a:t> v </a:t>
             </a:r>
             <a:r>
-              <a:rPr lang="en-US" dirty="0" err="1" smtClean="0"/>
+              <a:rPr lang="en-US" dirty="0" err="1"/>
               <a:t>primeru</a:t>
             </a:r>
             <a:r>
-              <a:rPr lang="en-US" dirty="0" smtClean="0"/>
+              <a:rPr lang="en-US" dirty="0"/>
               <a:t> 3,3V</a:t>
             </a:r>
           </a:p>
@@ -9710,31 +13028,31 @@
           </a:p>
           <a:p>
             <a:r>
-              <a:rPr lang="en-US" dirty="0" smtClean="0"/>
+              <a:rPr lang="en-US" dirty="0"/>
               <a:t>U2 </a:t>
             </a:r>
             <a:r>
-              <a:rPr lang="en-SI" dirty="0" smtClean="0"/>
+              <a:rPr lang="en-SI" dirty="0"/>
               <a:t>–</a:t>
             </a:r>
             <a:r>
-              <a:rPr lang="en-US" dirty="0" smtClean="0"/>
-              <a:t> </a:t>
-            </a:r>
-            <a:r>
-              <a:rPr lang="en-US" dirty="0" err="1" smtClean="0"/>
+              <a:rPr lang="en-US" dirty="0"/>
+              <a:t> </a:t>
+            </a:r>
+            <a:r>
+              <a:rPr lang="en-US" dirty="0" err="1"/>
               <a:t>izbira</a:t>
             </a:r>
             <a:r>
-              <a:rPr lang="en-US" dirty="0" smtClean="0"/>
-              <a:t> </a:t>
-            </a:r>
-            <a:r>
-              <a:rPr lang="en-US" dirty="0" err="1" smtClean="0"/>
+              <a:rPr lang="en-US" dirty="0"/>
+              <a:t> </a:t>
+            </a:r>
+            <a:r>
+              <a:rPr lang="en-US" dirty="0" err="1"/>
               <a:t>izhodne</a:t>
             </a:r>
             <a:r>
-              <a:rPr lang="en-US" dirty="0" smtClean="0"/>
+              <a:rPr lang="en-US" dirty="0"/>
               <a:t> </a:t>
             </a:r>
           </a:p>
@@ -9743,25 +13061,24 @@
               <a:buNone/>
             </a:pPr>
             <a:r>
-              <a:rPr lang="en-US" dirty="0" err="1" smtClean="0"/>
+              <a:rPr lang="en-US" dirty="0" err="1"/>
               <a:t>Napetosti</a:t>
             </a:r>
             <a:r>
-              <a:rPr lang="en-US" dirty="0" smtClean="0"/>
+              <a:rPr lang="en-US" dirty="0"/>
               <a:t> 3,3V </a:t>
             </a:r>
             <a:r>
-              <a:rPr lang="en-US" dirty="0" err="1" smtClean="0"/>
+              <a:rPr lang="en-US" dirty="0" err="1"/>
               <a:t>ali</a:t>
             </a:r>
             <a:r>
-              <a:rPr lang="en-US" dirty="0" smtClean="0"/>
+              <a:rPr lang="en-US" dirty="0"/>
               <a:t> 5V (JP2)</a:t>
             </a:r>
+          </a:p>
+          <a:p>
             <a:endParaRPr lang="en-US" dirty="0"/>
-          </a:p>
-          <a:p>
-            <a:endParaRPr lang="en-US" dirty="0" smtClean="0"/>
           </a:p>
           <a:p>
             <a:pPr marL="0" indent="0">
@@ -9773,7 +13090,7 @@
             <a:pPr marL="0" indent="0">
               <a:buNone/>
             </a:pPr>
-            <a:endParaRPr lang="en-US" dirty="0" smtClean="0"/>
+            <a:endParaRPr lang="en-US" dirty="0"/>
           </a:p>
           <a:p>
             <a:pPr marL="0" indent="0">
@@ -9790,7 +13107,7 @@
           <p:nvPr/>
         </p:nvPicPr>
         <p:blipFill>
-          <a:blip r:embed="rId2"/>
+          <a:blip r:embed="rId3"/>
           <a:stretch>
             <a:fillRect/>
           </a:stretch>
@@ -9882,7 +13199,7 @@
           <p:nvPr/>
         </p:nvPicPr>
         <p:blipFill>
-          <a:blip r:embed="rId2"/>
+          <a:blip r:embed="rId3"/>
           <a:stretch>
             <a:fillRect/>
           </a:stretch>
@@ -9943,11 +13260,11 @@
           <a:lstStyle/>
           <a:p>
             <a:r>
-              <a:rPr lang="en-US" dirty="0" err="1" smtClean="0"/>
+              <a:rPr lang="en-US" dirty="0" err="1"/>
               <a:t>Testiranje</a:t>
             </a:r>
             <a:r>
-              <a:rPr lang="en-US" dirty="0" smtClean="0"/>
+              <a:rPr lang="en-US" dirty="0"/>
               <a:t> - FG</a:t>
             </a:r>
             <a:endParaRPr lang="sl-SI" dirty="0"/>
@@ -9970,49 +13287,49 @@
           <a:lstStyle/>
           <a:p>
             <a:r>
-              <a:rPr lang="en-US" dirty="0" err="1" smtClean="0"/>
+              <a:rPr lang="en-US" dirty="0" err="1"/>
               <a:t>Tx</a:t>
             </a:r>
             <a:r>
-              <a:rPr lang="en-US" dirty="0" smtClean="0"/>
-              <a:t> </a:t>
-            </a:r>
-            <a:r>
-              <a:rPr lang="en-SI" dirty="0" smtClean="0"/>
+              <a:rPr lang="en-US" dirty="0"/>
+              <a:t> </a:t>
+            </a:r>
+            <a:r>
+              <a:rPr lang="en-SI" dirty="0"/>
               <a:t>–</a:t>
             </a:r>
             <a:r>
-              <a:rPr lang="en-US" dirty="0" smtClean="0"/>
-              <a:t> </a:t>
-            </a:r>
-            <a:r>
-              <a:rPr lang="en-US" dirty="0" err="1" smtClean="0"/>
+              <a:rPr lang="en-US" dirty="0"/>
+              <a:t> </a:t>
+            </a:r>
+            <a:r>
+              <a:rPr lang="en-US" dirty="0" err="1"/>
               <a:t>modra</a:t>
             </a:r>
-            <a:endParaRPr lang="en-US" dirty="0" smtClean="0"/>
-          </a:p>
-          <a:p>
-            <a:r>
-              <a:rPr lang="en-US" dirty="0" smtClean="0"/>
+            <a:endParaRPr lang="en-US" dirty="0"/>
+          </a:p>
+          <a:p>
+            <a:r>
+              <a:rPr lang="en-US" dirty="0"/>
               <a:t>Rx </a:t>
             </a:r>
             <a:r>
-              <a:rPr lang="en-SI" dirty="0" smtClean="0"/>
+              <a:rPr lang="en-SI" dirty="0"/>
               <a:t>–</a:t>
             </a:r>
             <a:r>
-              <a:rPr lang="en-US" dirty="0" smtClean="0"/>
-              <a:t> </a:t>
-            </a:r>
-            <a:r>
-              <a:rPr lang="en-US" dirty="0" err="1" smtClean="0"/>
+              <a:rPr lang="en-US" dirty="0"/>
+              <a:t> </a:t>
+            </a:r>
+            <a:r>
+              <a:rPr lang="en-US" dirty="0" err="1"/>
               <a:t>črna</a:t>
             </a:r>
-            <a:endParaRPr lang="en-US" dirty="0" smtClean="0"/>
-          </a:p>
-          <a:p>
-            <a:r>
-              <a:rPr lang="en-US" dirty="0" smtClean="0"/>
+            <a:endParaRPr lang="en-US" dirty="0"/>
+          </a:p>
+          <a:p>
+            <a:r>
+              <a:rPr lang="en-US" dirty="0"/>
               <a:t>f = 100 kHz</a:t>
             </a:r>
             <a:endParaRPr lang="sl-SI" dirty="0"/>
@@ -10026,7 +13343,7 @@
           <p:nvPr/>
         </p:nvPicPr>
         <p:blipFill>
-          <a:blip r:embed="rId2" cstate="print">
+          <a:blip r:embed="rId3" cstate="print">
             <a:extLst>
               <a:ext uri="{28A0092B-C50C-407E-A947-70E740481C1C}">
                 <a14:useLocalDpi xmlns:a14="http://schemas.microsoft.com/office/drawing/2010/main" val="0"/>
@@ -10167,7 +13484,7 @@
           </a:p>
           <a:p>
             <a:r>
-              <a:rPr lang="en-US" dirty="0" smtClean="0"/>
+              <a:rPr lang="en-US" dirty="0"/>
               <a:t>f=1 MHz</a:t>
             </a:r>
             <a:endParaRPr lang="sl-SI" dirty="0"/>
@@ -10181,7 +13498,7 @@
           <p:nvPr/>
         </p:nvPicPr>
         <p:blipFill>
-          <a:blip r:embed="rId2" cstate="print">
+          <a:blip r:embed="rId3" cstate="print">
             <a:extLst>
               <a:ext uri="{28A0092B-C50C-407E-A947-70E740481C1C}">
                 <a14:useLocalDpi xmlns:a14="http://schemas.microsoft.com/office/drawing/2010/main" val="0"/>
@@ -10253,15 +13570,15 @@
           <a:lstStyle/>
           <a:p>
             <a:r>
-              <a:rPr lang="en-US" dirty="0" err="1" smtClean="0"/>
+              <a:rPr lang="en-US" dirty="0" err="1"/>
               <a:t>Testiranje</a:t>
             </a:r>
             <a:r>
-              <a:rPr lang="en-US" dirty="0" smtClean="0"/>
+              <a:rPr lang="en-US" dirty="0"/>
               <a:t> - </a:t>
             </a:r>
             <a:r>
-              <a:rPr lang="en-US" dirty="0" err="1" smtClean="0"/>
+              <a:rPr lang="en-US" dirty="0" err="1"/>
               <a:t>računalnik</a:t>
             </a:r>
             <a:endParaRPr lang="sl-SI" dirty="0"/>
@@ -10326,7 +13643,7 @@
           </a:p>
           <a:p>
             <a:r>
-              <a:rPr lang="en-US" dirty="0" smtClean="0"/>
+              <a:rPr lang="en-US" dirty="0"/>
               <a:t>Baud rate = 9600</a:t>
             </a:r>
             <a:endParaRPr lang="sl-SI" dirty="0"/>
@@ -10343,7 +13660,7 @@
           <p:nvPr/>
         </p:nvPicPr>
         <p:blipFill>
-          <a:blip r:embed="rId2" cstate="print">
+          <a:blip r:embed="rId3" cstate="print">
             <a:extLst>
               <a:ext uri="{28A0092B-C50C-407E-A947-70E740481C1C}">
                 <a14:useLocalDpi xmlns:a14="http://schemas.microsoft.com/office/drawing/2010/main" val="0"/>
@@ -10489,11 +13806,7 @@
           <a:p>
             <a:r>
               <a:rPr lang="en-US" dirty="0"/>
-              <a:t>Baud rate = </a:t>
-            </a:r>
-            <a:r>
-              <a:rPr lang="en-US" dirty="0" smtClean="0"/>
-              <a:t>115200</a:t>
+              <a:t>Baud rate = 115200</a:t>
             </a:r>
             <a:endParaRPr lang="sl-SI" dirty="0"/>
           </a:p>
@@ -10509,7 +13822,7 @@
           <p:nvPr/>
         </p:nvPicPr>
         <p:blipFill>
-          <a:blip r:embed="rId2" cstate="print">
+          <a:blip r:embed="rId3" cstate="print">
             <a:extLst>
               <a:ext uri="{28A0092B-C50C-407E-A947-70E740481C1C}">
                 <a14:useLocalDpi xmlns:a14="http://schemas.microsoft.com/office/drawing/2010/main" val="0"/>
